--- a/MSI Project Presentation.pptx
+++ b/MSI Project Presentation.pptx
@@ -5,7 +5,7 @@
     <p:sldMasterId id="2147483660" r:id="rId1"/>
   </p:sldMasterIdLst>
   <p:notesMasterIdLst>
-    <p:notesMasterId r:id="rId22"/>
+    <p:notesMasterId r:id="rId29"/>
   </p:notesMasterIdLst>
   <p:sldIdLst>
     <p:sldId id="256" r:id="rId2"/>
@@ -28,6 +28,13 @@
     <p:sldId id="270" r:id="rId19"/>
     <p:sldId id="271" r:id="rId20"/>
     <p:sldId id="274" r:id="rId21"/>
+    <p:sldId id="277" r:id="rId22"/>
+    <p:sldId id="278" r:id="rId23"/>
+    <p:sldId id="279" r:id="rId24"/>
+    <p:sldId id="280" r:id="rId25"/>
+    <p:sldId id="281" r:id="rId26"/>
+    <p:sldId id="282" r:id="rId27"/>
+    <p:sldId id="283" r:id="rId28"/>
   </p:sldIdLst>
   <p:sldSz cx="9144000" cy="6858000" type="screen4x3"/>
   <p:notesSz cx="6858000" cy="9144000"/>
@@ -163,6 +170,13 @@
             <p14:sldId id="270"/>
             <p14:sldId id="271"/>
             <p14:sldId id="274"/>
+            <p14:sldId id="277"/>
+            <p14:sldId id="278"/>
+            <p14:sldId id="279"/>
+            <p14:sldId id="280"/>
+            <p14:sldId id="281"/>
+            <p14:sldId id="282"/>
+            <p14:sldId id="283"/>
           </p14:sldIdLst>
         </p14:section>
       </p14:sectionLst>
@@ -253,7 +267,7 @@
           <a:p>
             <a:fld id="{FD6F384A-A325-46BD-968E-1522ABDB2AC9}" type="datetimeFigureOut">
               <a:rPr lang="en-US" smtClean="0"/>
-              <a:t>8/15/2018</a:t>
+              <a:t>8/17/2018</a:t>
             </a:fld>
             <a:endParaRPr lang="en-US"/>
           </a:p>
@@ -605,6 +619,90 @@
 </p:notes>
 </file>
 
+<file path=ppt/notesSlides/notesSlide2.xml><?xml version="1.0" encoding="utf-8"?>
+<p:notes xmlns:a="http://schemas.openxmlformats.org/drawingml/2006/main" xmlns:r="http://schemas.openxmlformats.org/officeDocument/2006/relationships" xmlns:p="http://schemas.openxmlformats.org/presentationml/2006/main">
+  <p:cSld>
+    <p:spTree>
+      <p:nvGrpSpPr>
+        <p:cNvPr id="1" name=""/>
+        <p:cNvGrpSpPr/>
+        <p:nvPr/>
+      </p:nvGrpSpPr>
+      <p:grpSpPr>
+        <a:xfrm>
+          <a:off x="0" y="0"/>
+          <a:ext cx="0" cy="0"/>
+          <a:chOff x="0" y="0"/>
+          <a:chExt cx="0" cy="0"/>
+        </a:xfrm>
+      </p:grpSpPr>
+      <p:sp>
+        <p:nvSpPr>
+          <p:cNvPr id="2" name="Slide Image Placeholder 1"/>
+          <p:cNvSpPr>
+            <a:spLocks noGrp="1" noRot="1" noChangeAspect="1"/>
+          </p:cNvSpPr>
+          <p:nvPr>
+            <p:ph type="sldImg"/>
+          </p:nvPr>
+        </p:nvSpPr>
+        <p:spPr/>
+      </p:sp>
+      <p:sp>
+        <p:nvSpPr>
+          <p:cNvPr id="3" name="Notes Placeholder 2"/>
+          <p:cNvSpPr>
+            <a:spLocks noGrp="1"/>
+          </p:cNvSpPr>
+          <p:nvPr>
+            <p:ph type="body" idx="1"/>
+          </p:nvPr>
+        </p:nvSpPr>
+        <p:spPr/>
+        <p:txBody>
+          <a:bodyPr/>
+          <a:lstStyle/>
+          <a:p>
+            <a:endParaRPr lang="en-US" dirty="0"/>
+          </a:p>
+        </p:txBody>
+      </p:sp>
+      <p:sp>
+        <p:nvSpPr>
+          <p:cNvPr id="4" name="Slide Number Placeholder 3"/>
+          <p:cNvSpPr>
+            <a:spLocks noGrp="1"/>
+          </p:cNvSpPr>
+          <p:nvPr>
+            <p:ph type="sldNum" sz="quarter" idx="10"/>
+          </p:nvPr>
+        </p:nvSpPr>
+        <p:spPr/>
+        <p:txBody>
+          <a:bodyPr/>
+          <a:lstStyle/>
+          <a:p>
+            <a:fld id="{C541DAFB-631B-41DC-AC70-6E7DF64EB76B}" type="slidenum">
+              <a:rPr lang="en-US" smtClean="0"/>
+              <a:t>26</a:t>
+            </a:fld>
+            <a:endParaRPr lang="en-US"/>
+          </a:p>
+        </p:txBody>
+      </p:sp>
+    </p:spTree>
+    <p:extLst>
+      <p:ext uri="{BB962C8B-B14F-4D97-AF65-F5344CB8AC3E}">
+        <p14:creationId xmlns:p14="http://schemas.microsoft.com/office/powerpoint/2010/main" val="4067047282"/>
+      </p:ext>
+    </p:extLst>
+  </p:cSld>
+  <p:clrMapOvr>
+    <a:masterClrMapping/>
+  </p:clrMapOvr>
+</p:notes>
+</file>
+
 <file path=ppt/slideLayouts/slideLayout1.xml><?xml version="1.0" encoding="utf-8"?>
 <p:sldLayout xmlns:a="http://schemas.openxmlformats.org/drawingml/2006/main" xmlns:r="http://schemas.openxmlformats.org/officeDocument/2006/relationships" xmlns:p="http://schemas.openxmlformats.org/presentationml/2006/main" showMasterSp="0" type="title" preserve="1">
   <p:cSld name="Title Slide">
@@ -1266,7 +1364,7 @@
           <a:p>
             <a:fld id="{A7D88E35-D473-411B-B8EF-7CCA10B7BE9E}" type="datetimeFigureOut">
               <a:rPr lang="en-US" smtClean="0"/>
-              <a:t>8/15/2018</a:t>
+              <a:t>8/17/2018</a:t>
             </a:fld>
             <a:endParaRPr lang="en-US"/>
           </a:p>
@@ -1467,7 +1565,7 @@
           <a:p>
             <a:fld id="{A7D88E35-D473-411B-B8EF-7CCA10B7BE9E}" type="datetimeFigureOut">
               <a:rPr lang="en-US" smtClean="0"/>
-              <a:t>8/15/2018</a:t>
+              <a:t>8/17/2018</a:t>
             </a:fld>
             <a:endParaRPr lang="en-US"/>
           </a:p>
@@ -1665,7 +1763,7 @@
           <a:p>
             <a:fld id="{A7D88E35-D473-411B-B8EF-7CCA10B7BE9E}" type="datetimeFigureOut">
               <a:rPr lang="en-US" smtClean="0"/>
-              <a:t>8/15/2018</a:t>
+              <a:t>8/17/2018</a:t>
             </a:fld>
             <a:endParaRPr lang="en-US"/>
           </a:p>
@@ -1908,7 +2006,7 @@
           <a:p>
             <a:fld id="{A7D88E35-D473-411B-B8EF-7CCA10B7BE9E}" type="datetimeFigureOut">
               <a:rPr lang="en-US" smtClean="0"/>
-              <a:t>8/15/2018</a:t>
+              <a:t>8/17/2018</a:t>
             </a:fld>
             <a:endParaRPr lang="en-US"/>
           </a:p>
@@ -2152,7 +2250,7 @@
           <a:p>
             <a:fld id="{A7D88E35-D473-411B-B8EF-7CCA10B7BE9E}" type="datetimeFigureOut">
               <a:rPr lang="en-US" smtClean="0"/>
-              <a:t>8/15/2018</a:t>
+              <a:t>8/17/2018</a:t>
             </a:fld>
             <a:endParaRPr lang="en-US"/>
           </a:p>
@@ -2434,7 +2532,7 @@
           <a:p>
             <a:fld id="{A7D88E35-D473-411B-B8EF-7CCA10B7BE9E}" type="datetimeFigureOut">
               <a:rPr lang="en-US" smtClean="0"/>
-              <a:t>8/15/2018</a:t>
+              <a:t>8/17/2018</a:t>
             </a:fld>
             <a:endParaRPr lang="en-US"/>
           </a:p>
@@ -2950,7 +3048,7 @@
           <a:p>
             <a:fld id="{A7D88E35-D473-411B-B8EF-7CCA10B7BE9E}" type="datetimeFigureOut">
               <a:rPr lang="en-US" smtClean="0"/>
-              <a:t>8/15/2018</a:t>
+              <a:t>8/17/2018</a:t>
             </a:fld>
             <a:endParaRPr lang="en-US"/>
           </a:p>
@@ -3061,7 +3159,7 @@
           <a:p>
             <a:fld id="{A7D88E35-D473-411B-B8EF-7CCA10B7BE9E}" type="datetimeFigureOut">
               <a:rPr lang="en-US" smtClean="0"/>
-              <a:t>8/15/2018</a:t>
+              <a:t>8/17/2018</a:t>
             </a:fld>
             <a:endParaRPr lang="en-US"/>
           </a:p>
@@ -3322,7 +3420,7 @@
           <a:p>
             <a:fld id="{A7D88E35-D473-411B-B8EF-7CCA10B7BE9E}" type="datetimeFigureOut">
               <a:rPr lang="en-US" smtClean="0"/>
-              <a:t>8/15/2018</a:t>
+              <a:t>8/17/2018</a:t>
             </a:fld>
             <a:endParaRPr lang="en-US"/>
           </a:p>
@@ -3589,7 +3687,7 @@
           <a:p>
             <a:fld id="{A7D88E35-D473-411B-B8EF-7CCA10B7BE9E}" type="datetimeFigureOut">
               <a:rPr lang="en-US" smtClean="0"/>
-              <a:t>8/15/2018</a:t>
+              <a:t>8/17/2018</a:t>
             </a:fld>
             <a:endParaRPr lang="en-US"/>
           </a:p>
@@ -4988,6 +5086,13 @@
   <p:clrMapOvr>
     <a:masterClrMapping/>
   </p:clrMapOvr>
+  <p:timing>
+    <p:tnLst>
+      <p:par>
+        <p:cTn id="1" dur="indefinite" restart="never" nodeType="tmRoot"/>
+      </p:par>
+    </p:tnLst>
+  </p:timing>
 </p:sld>
 </file>
 
@@ -5093,6 +5198,13 @@
   <p:clrMapOvr>
     <a:masterClrMapping/>
   </p:clrMapOvr>
+  <p:timing>
+    <p:tnLst>
+      <p:par>
+        <p:cTn id="1" dur="indefinite" restart="never" nodeType="tmRoot"/>
+      </p:par>
+    </p:tnLst>
+  </p:timing>
 </p:sld>
 </file>
 
@@ -5804,6 +5916,13 @@
   <p:clrMapOvr>
     <a:masterClrMapping/>
   </p:clrMapOvr>
+  <p:timing>
+    <p:tnLst>
+      <p:par>
+        <p:cTn id="1" dur="indefinite" restart="never" nodeType="tmRoot"/>
+      </p:par>
+    </p:tnLst>
+  </p:timing>
 </p:sld>
 </file>
 
@@ -5920,6 +6039,13 @@
   <p:clrMapOvr>
     <a:masterClrMapping/>
   </p:clrMapOvr>
+  <p:timing>
+    <p:tnLst>
+      <p:par>
+        <p:cTn id="1" dur="indefinite" restart="never" nodeType="tmRoot"/>
+      </p:par>
+    </p:tnLst>
+  </p:timing>
 </p:sld>
 </file>
 
@@ -6351,6 +6477,13 @@
   <p:clrMapOvr>
     <a:masterClrMapping/>
   </p:clrMapOvr>
+  <p:timing>
+    <p:tnLst>
+      <p:par>
+        <p:cTn id="1" dur="indefinite" restart="never" nodeType="tmRoot"/>
+      </p:par>
+    </p:tnLst>
+  </p:timing>
 </p:sld>
 </file>
 
@@ -6807,6 +6940,13 @@
   <p:clrMapOvr>
     <a:masterClrMapping/>
   </p:clrMapOvr>
+  <p:timing>
+    <p:tnLst>
+      <p:par>
+        <p:cTn id="1" dur="indefinite" restart="never" nodeType="tmRoot"/>
+      </p:par>
+    </p:tnLst>
+  </p:timing>
 </p:sld>
 </file>
 
@@ -6892,6 +7032,13 @@
   <p:clrMapOvr>
     <a:masterClrMapping/>
   </p:clrMapOvr>
+  <p:timing>
+    <p:tnLst>
+      <p:par>
+        <p:cTn id="1" dur="indefinite" restart="never" nodeType="tmRoot"/>
+      </p:par>
+    </p:tnLst>
+  </p:timing>
 </p:sld>
 </file>
 
@@ -7024,6 +7171,13 @@
   <p:clrMapOvr>
     <a:masterClrMapping/>
   </p:clrMapOvr>
+  <p:timing>
+    <p:tnLst>
+      <p:par>
+        <p:cTn id="1" dur="indefinite" restart="never" nodeType="tmRoot"/>
+      </p:par>
+    </p:tnLst>
+  </p:timing>
 </p:sld>
 </file>
 
@@ -7228,14 +7382,14 @@
           <a:p>
             <a:r>
               <a:rPr lang="en-US" dirty="0" smtClean="0"/>
-              <a:t>27 loci x 4 features each</a:t>
-            </a:r>
-          </a:p>
-          <a:p>
-            <a:pPr lvl="1"/>
-            <a:r>
-              <a:rPr lang="en-US" dirty="0" smtClean="0"/>
-              <a:t>108-dimension model</a:t>
+              <a:t>21 loci x 4 features each</a:t>
+            </a:r>
+          </a:p>
+          <a:p>
+            <a:pPr lvl="1"/>
+            <a:r>
+              <a:rPr lang="en-US" dirty="0" smtClean="0"/>
+              <a:t>84-dimension model</a:t>
             </a:r>
           </a:p>
           <a:p>
@@ -7275,6 +7429,1813 @@
   <p:clrMapOvr>
     <a:masterClrMapping/>
   </p:clrMapOvr>
+  <p:timing>
+    <p:tnLst>
+      <p:par>
+        <p:cTn id="1" dur="indefinite" restart="never" nodeType="tmRoot"/>
+      </p:par>
+    </p:tnLst>
+  </p:timing>
+</p:sld>
+</file>
+
+<file path=ppt/slides/slide21.xml><?xml version="1.0" encoding="utf-8"?>
+<p:sld xmlns:a="http://schemas.openxmlformats.org/drawingml/2006/main" xmlns:r="http://schemas.openxmlformats.org/officeDocument/2006/relationships" xmlns:p="http://schemas.openxmlformats.org/presentationml/2006/main">
+  <p:cSld>
+    <p:spTree>
+      <p:nvGrpSpPr>
+        <p:cNvPr id="1" name=""/>
+        <p:cNvGrpSpPr/>
+        <p:nvPr/>
+      </p:nvGrpSpPr>
+      <p:grpSpPr>
+        <a:xfrm>
+          <a:off x="0" y="0"/>
+          <a:ext cx="0" cy="0"/>
+          <a:chOff x="0" y="0"/>
+          <a:chExt cx="0" cy="0"/>
+        </a:xfrm>
+      </p:grpSpPr>
+      <p:sp>
+        <p:nvSpPr>
+          <p:cNvPr id="2" name="Title 1"/>
+          <p:cNvSpPr>
+            <a:spLocks noGrp="1"/>
+          </p:cNvSpPr>
+          <p:nvPr>
+            <p:ph type="title"/>
+          </p:nvPr>
+        </p:nvSpPr>
+        <p:spPr/>
+        <p:txBody>
+          <a:bodyPr/>
+          <a:lstStyle/>
+          <a:p>
+            <a:r>
+              <a:rPr lang="en-US" dirty="0" smtClean="0"/>
+              <a:t>Machine Learning v2 - Sets</a:t>
+            </a:r>
+            <a:endParaRPr lang="en-US" dirty="0"/>
+          </a:p>
+        </p:txBody>
+      </p:sp>
+      <p:sp>
+        <p:nvSpPr>
+          <p:cNvPr id="3" name="Content Placeholder 2"/>
+          <p:cNvSpPr>
+            <a:spLocks noGrp="1"/>
+          </p:cNvSpPr>
+          <p:nvPr>
+            <p:ph idx="1"/>
+          </p:nvPr>
+        </p:nvSpPr>
+        <p:spPr/>
+        <p:txBody>
+          <a:bodyPr/>
+          <a:lstStyle/>
+          <a:p>
+            <a:r>
+              <a:rPr lang="en-US" dirty="0" smtClean="0"/>
+              <a:t>Training Set</a:t>
+            </a:r>
+          </a:p>
+          <a:p>
+            <a:pPr lvl="1"/>
+            <a:r>
+              <a:rPr lang="en-US" dirty="0" smtClean="0"/>
+              <a:t>124 MSI, 142 MSS</a:t>
+            </a:r>
+          </a:p>
+          <a:p>
+            <a:pPr marL="411480" lvl="1" indent="0">
+              <a:buNone/>
+            </a:pPr>
+            <a:endParaRPr lang="en-US" dirty="0" smtClean="0"/>
+          </a:p>
+          <a:p>
+            <a:r>
+              <a:rPr lang="en-US" dirty="0" smtClean="0"/>
+              <a:t>Validation Set</a:t>
+            </a:r>
+          </a:p>
+          <a:p>
+            <a:pPr lvl="1"/>
+            <a:r>
+              <a:rPr lang="en-US" dirty="0" smtClean="0"/>
+              <a:t>33 MSI, 52 MSS</a:t>
+            </a:r>
+            <a:endParaRPr lang="en-US" dirty="0"/>
+          </a:p>
+        </p:txBody>
+      </p:sp>
+    </p:spTree>
+    <p:extLst>
+      <p:ext uri="{BB962C8B-B14F-4D97-AF65-F5344CB8AC3E}">
+        <p14:creationId xmlns:p14="http://schemas.microsoft.com/office/powerpoint/2010/main" val="2951550870"/>
+      </p:ext>
+    </p:extLst>
+  </p:cSld>
+  <p:clrMapOvr>
+    <a:masterClrMapping/>
+  </p:clrMapOvr>
+  <p:timing>
+    <p:tnLst>
+      <p:par>
+        <p:cTn id="1" dur="indefinite" restart="never" nodeType="tmRoot"/>
+      </p:par>
+    </p:tnLst>
+  </p:timing>
+</p:sld>
+</file>
+
+<file path=ppt/slides/slide22.xml><?xml version="1.0" encoding="utf-8"?>
+<p:sld xmlns:a="http://schemas.openxmlformats.org/drawingml/2006/main" xmlns:r="http://schemas.openxmlformats.org/officeDocument/2006/relationships" xmlns:p="http://schemas.openxmlformats.org/presentationml/2006/main">
+  <p:cSld>
+    <p:spTree>
+      <p:nvGrpSpPr>
+        <p:cNvPr id="1" name=""/>
+        <p:cNvGrpSpPr/>
+        <p:nvPr/>
+      </p:nvGrpSpPr>
+      <p:grpSpPr>
+        <a:xfrm>
+          <a:off x="0" y="0"/>
+          <a:ext cx="0" cy="0"/>
+          <a:chOff x="0" y="0"/>
+          <a:chExt cx="0" cy="0"/>
+        </a:xfrm>
+      </p:grpSpPr>
+      <p:sp>
+        <p:nvSpPr>
+          <p:cNvPr id="2" name="Title 1"/>
+          <p:cNvSpPr>
+            <a:spLocks noGrp="1"/>
+          </p:cNvSpPr>
+          <p:nvPr>
+            <p:ph type="title"/>
+          </p:nvPr>
+        </p:nvSpPr>
+        <p:spPr/>
+        <p:txBody>
+          <a:bodyPr/>
+          <a:lstStyle/>
+          <a:p>
+            <a:r>
+              <a:rPr lang="en-US" dirty="0" smtClean="0"/>
+              <a:t>Machine Learning v2 - Results</a:t>
+            </a:r>
+            <a:endParaRPr lang="en-US" dirty="0"/>
+          </a:p>
+        </p:txBody>
+      </p:sp>
+      <p:pic>
+        <p:nvPicPr>
+          <p:cNvPr id="1026" name="Picture 2" descr="C:\Users\S0290898\AppData\Local\Temp\88_dim_loss_14.png"/>
+          <p:cNvPicPr>
+            <a:picLocks noChangeAspect="1" noChangeArrowheads="1"/>
+          </p:cNvPicPr>
+          <p:nvPr/>
+        </p:nvPicPr>
+        <p:blipFill>
+          <a:blip r:embed="rId2">
+            <a:extLst>
+              <a:ext uri="{28A0092B-C50C-407E-A947-70E740481C1C}">
+                <a14:useLocalDpi xmlns:a14="http://schemas.microsoft.com/office/drawing/2010/main" val="0"/>
+              </a:ext>
+            </a:extLst>
+          </a:blip>
+          <a:srcRect/>
+          <a:stretch>
+            <a:fillRect/>
+          </a:stretch>
+        </p:blipFill>
+        <p:spPr bwMode="auto">
+          <a:xfrm>
+            <a:off x="228600" y="1447800"/>
+            <a:ext cx="4165600" cy="3124200"/>
+          </a:xfrm>
+          <a:prstGeom prst="rect">
+            <a:avLst/>
+          </a:prstGeom>
+          <a:noFill/>
+          <a:extLst>
+            <a:ext uri="{909E8E84-426E-40DD-AFC4-6F175D3DCCD1}">
+              <a14:hiddenFill xmlns:a14="http://schemas.microsoft.com/office/drawing/2010/main">
+                <a:solidFill>
+                  <a:srgbClr val="FFFFFF"/>
+                </a:solidFill>
+              </a14:hiddenFill>
+            </a:ext>
+          </a:extLst>
+        </p:spPr>
+      </p:pic>
+      <p:pic>
+        <p:nvPicPr>
+          <p:cNvPr id="1027" name="Picture 3" descr="C:\Users\S0290898\AppData\Local\Temp\88_dim_roc_10.png"/>
+          <p:cNvPicPr>
+            <a:picLocks noChangeAspect="1" noChangeArrowheads="1"/>
+          </p:cNvPicPr>
+          <p:nvPr/>
+        </p:nvPicPr>
+        <p:blipFill>
+          <a:blip r:embed="rId3">
+            <a:extLst>
+              <a:ext uri="{28A0092B-C50C-407E-A947-70E740481C1C}">
+                <a14:useLocalDpi xmlns:a14="http://schemas.microsoft.com/office/drawing/2010/main" val="0"/>
+              </a:ext>
+            </a:extLst>
+          </a:blip>
+          <a:srcRect/>
+          <a:stretch>
+            <a:fillRect/>
+          </a:stretch>
+        </p:blipFill>
+        <p:spPr bwMode="auto">
+          <a:xfrm>
+            <a:off x="4419600" y="3311236"/>
+            <a:ext cx="4305312" cy="3228984"/>
+          </a:xfrm>
+          <a:prstGeom prst="rect">
+            <a:avLst/>
+          </a:prstGeom>
+          <a:noFill/>
+          <a:extLst>
+            <a:ext uri="{909E8E84-426E-40DD-AFC4-6F175D3DCCD1}">
+              <a14:hiddenFill xmlns:a14="http://schemas.microsoft.com/office/drawing/2010/main">
+                <a:solidFill>
+                  <a:srgbClr val="FFFFFF"/>
+                </a:solidFill>
+              </a14:hiddenFill>
+            </a:ext>
+          </a:extLst>
+        </p:spPr>
+      </p:pic>
+    </p:spTree>
+    <p:extLst>
+      <p:ext uri="{BB962C8B-B14F-4D97-AF65-F5344CB8AC3E}">
+        <p14:creationId xmlns:p14="http://schemas.microsoft.com/office/powerpoint/2010/main" val="1416961973"/>
+      </p:ext>
+    </p:extLst>
+  </p:cSld>
+  <p:clrMapOvr>
+    <a:masterClrMapping/>
+  </p:clrMapOvr>
+  <p:timing>
+    <p:tnLst>
+      <p:par>
+        <p:cTn id="1" dur="indefinite" restart="never" nodeType="tmRoot"/>
+      </p:par>
+    </p:tnLst>
+  </p:timing>
+</p:sld>
+</file>
+
+<file path=ppt/slides/slide23.xml><?xml version="1.0" encoding="utf-8"?>
+<p:sld xmlns:a="http://schemas.openxmlformats.org/drawingml/2006/main" xmlns:r="http://schemas.openxmlformats.org/officeDocument/2006/relationships" xmlns:p="http://schemas.openxmlformats.org/presentationml/2006/main">
+  <p:cSld>
+    <p:spTree>
+      <p:nvGrpSpPr>
+        <p:cNvPr id="1" name=""/>
+        <p:cNvGrpSpPr/>
+        <p:nvPr/>
+      </p:nvGrpSpPr>
+      <p:grpSpPr>
+        <a:xfrm>
+          <a:off x="0" y="0"/>
+          <a:ext cx="0" cy="0"/>
+          <a:chOff x="0" y="0"/>
+          <a:chExt cx="0" cy="0"/>
+        </a:xfrm>
+      </p:grpSpPr>
+      <p:sp>
+        <p:nvSpPr>
+          <p:cNvPr id="2" name="Title 1"/>
+          <p:cNvSpPr>
+            <a:spLocks noGrp="1"/>
+          </p:cNvSpPr>
+          <p:nvPr>
+            <p:ph type="title"/>
+          </p:nvPr>
+        </p:nvSpPr>
+        <p:spPr/>
+        <p:txBody>
+          <a:bodyPr/>
+          <a:lstStyle/>
+          <a:p>
+            <a:r>
+              <a:rPr lang="en-US" dirty="0" smtClean="0"/>
+              <a:t>Machine Learning v2 – Test Set</a:t>
+            </a:r>
+            <a:endParaRPr lang="en-US" dirty="0"/>
+          </a:p>
+        </p:txBody>
+      </p:sp>
+      <p:sp>
+        <p:nvSpPr>
+          <p:cNvPr id="3" name="Content Placeholder 2"/>
+          <p:cNvSpPr>
+            <a:spLocks noGrp="1"/>
+          </p:cNvSpPr>
+          <p:nvPr>
+            <p:ph idx="1"/>
+          </p:nvPr>
+        </p:nvSpPr>
+        <p:spPr>
+          <a:xfrm>
+            <a:off x="381000" y="1676400"/>
+            <a:ext cx="4114800" cy="5181600"/>
+          </a:xfrm>
+        </p:spPr>
+        <p:txBody>
+          <a:bodyPr>
+            <a:normAutofit fontScale="62500" lnSpcReduction="20000"/>
+          </a:bodyPr>
+          <a:lstStyle/>
+          <a:p>
+            <a:r>
+              <a:rPr lang="pt-BR" dirty="0" smtClean="0"/>
+              <a:t>Loci examined</a:t>
+            </a:r>
+          </a:p>
+          <a:p>
+            <a:pPr lvl="1"/>
+            <a:r>
+              <a:rPr lang="pt-BR" dirty="0" smtClean="0"/>
+              <a:t>MSI-11 </a:t>
+            </a:r>
+          </a:p>
+          <a:p>
+            <a:pPr lvl="1"/>
+            <a:r>
+              <a:rPr lang="pt-BR" dirty="0" smtClean="0"/>
+              <a:t>MSI-14 </a:t>
+            </a:r>
+          </a:p>
+          <a:p>
+            <a:pPr lvl="1"/>
+            <a:r>
+              <a:rPr lang="pt-BR" dirty="0" smtClean="0"/>
+              <a:t>H-10 </a:t>
+            </a:r>
+          </a:p>
+          <a:p>
+            <a:pPr lvl="1"/>
+            <a:r>
+              <a:rPr lang="pt-BR" dirty="0" smtClean="0"/>
+              <a:t>HSPH1-T17 </a:t>
+            </a:r>
+          </a:p>
+          <a:p>
+            <a:pPr lvl="1"/>
+            <a:r>
+              <a:rPr lang="pt-BR" dirty="0" smtClean="0"/>
+              <a:t>BAT-26 </a:t>
+            </a:r>
+          </a:p>
+          <a:p>
+            <a:pPr lvl="1"/>
+            <a:r>
+              <a:rPr lang="pt-BR" dirty="0" smtClean="0"/>
+              <a:t>BAT-25 </a:t>
+            </a:r>
+          </a:p>
+          <a:p>
+            <a:pPr lvl="1"/>
+            <a:r>
+              <a:rPr lang="pt-BR" dirty="0" smtClean="0"/>
+              <a:t>MSI-04 </a:t>
+            </a:r>
+          </a:p>
+          <a:p>
+            <a:pPr lvl="1"/>
+            <a:r>
+              <a:rPr lang="pt-BR" dirty="0" smtClean="0"/>
+              <a:t>MSI-06 </a:t>
+            </a:r>
+          </a:p>
+          <a:p>
+            <a:pPr lvl="1"/>
+            <a:r>
+              <a:rPr lang="pt-BR" dirty="0" smtClean="0"/>
+              <a:t>MSI-07 </a:t>
+            </a:r>
+          </a:p>
+          <a:p>
+            <a:pPr lvl="1"/>
+            <a:r>
+              <a:rPr lang="pt-BR" dirty="0" smtClean="0"/>
+              <a:t>MSI-01 </a:t>
+            </a:r>
+          </a:p>
+          <a:p>
+            <a:pPr lvl="1"/>
+            <a:r>
+              <a:rPr lang="pt-BR" dirty="0" smtClean="0"/>
+              <a:t>MSI-03 </a:t>
+            </a:r>
+          </a:p>
+          <a:p>
+            <a:pPr lvl="1"/>
+            <a:r>
+              <a:rPr lang="pt-BR" dirty="0" smtClean="0"/>
+              <a:t>MSI-09 </a:t>
+            </a:r>
+          </a:p>
+          <a:p>
+            <a:pPr lvl="1"/>
+            <a:r>
+              <a:rPr lang="pt-BR" dirty="0" smtClean="0"/>
+              <a:t>H-09 </a:t>
+            </a:r>
+          </a:p>
+          <a:p>
+            <a:pPr lvl="1"/>
+            <a:r>
+              <a:rPr lang="pt-BR" dirty="0" smtClean="0"/>
+              <a:t>H-08 </a:t>
+            </a:r>
+          </a:p>
+          <a:p>
+            <a:pPr lvl="1"/>
+            <a:r>
+              <a:rPr lang="pt-BR" dirty="0" smtClean="0"/>
+              <a:t>H-01 </a:t>
+            </a:r>
+          </a:p>
+          <a:p>
+            <a:pPr lvl="1"/>
+            <a:r>
+              <a:rPr lang="pt-BR" dirty="0" smtClean="0"/>
+              <a:t>H-03 </a:t>
+            </a:r>
+          </a:p>
+          <a:p>
+            <a:pPr lvl="1"/>
+            <a:r>
+              <a:rPr lang="pt-BR" dirty="0" smtClean="0"/>
+              <a:t>H-02 </a:t>
+            </a:r>
+          </a:p>
+          <a:p>
+            <a:pPr lvl="1"/>
+            <a:r>
+              <a:rPr lang="pt-BR" dirty="0" smtClean="0"/>
+              <a:t>H-04 </a:t>
+            </a:r>
+          </a:p>
+          <a:p>
+            <a:pPr lvl="1"/>
+            <a:r>
+              <a:rPr lang="pt-BR" dirty="0" smtClean="0"/>
+              <a:t>H-07 </a:t>
+            </a:r>
+          </a:p>
+          <a:p>
+            <a:pPr lvl="1"/>
+            <a:r>
+              <a:rPr lang="pt-BR" dirty="0" smtClean="0"/>
+              <a:t>H-06 </a:t>
+            </a:r>
+          </a:p>
+          <a:p>
+            <a:pPr lvl="1"/>
+            <a:r>
+              <a:rPr lang="pt-BR" dirty="0" smtClean="0"/>
+              <a:t>H-05</a:t>
+            </a:r>
+            <a:endParaRPr lang="pt-BR" dirty="0"/>
+          </a:p>
+        </p:txBody>
+      </p:sp>
+      <p:sp>
+        <p:nvSpPr>
+          <p:cNvPr id="4" name="Content Placeholder 2"/>
+          <p:cNvSpPr txBox="1">
+            <a:spLocks/>
+          </p:cNvSpPr>
+          <p:nvPr/>
+        </p:nvSpPr>
+        <p:spPr>
+          <a:xfrm>
+            <a:off x="3352800" y="1676400"/>
+            <a:ext cx="5181600" cy="4800600"/>
+          </a:xfrm>
+          <a:prstGeom prst="rect">
+            <a:avLst/>
+          </a:prstGeom>
+        </p:spPr>
+        <p:txBody>
+          <a:bodyPr vert="horz">
+            <a:normAutofit/>
+          </a:bodyPr>
+          <a:lstStyle>
+            <a:lvl1pPr marL="365760" indent="-256032" algn="l" rtl="0" eaLnBrk="1" latinLnBrk="0" hangingPunct="1">
+              <a:spcBef>
+                <a:spcPts val="300"/>
+              </a:spcBef>
+              <a:buClr>
+                <a:schemeClr val="accent3"/>
+              </a:buClr>
+              <a:buFont typeface="Wingdings" panose="05000000000000000000" pitchFamily="2" charset="2"/>
+              <a:buChar char="§"/>
+              <a:defRPr kumimoji="0" sz="2800" kern="1200">
+                <a:solidFill>
+                  <a:schemeClr val="tx1"/>
+                </a:solidFill>
+                <a:latin typeface="+mn-lt"/>
+                <a:ea typeface="+mn-ea"/>
+                <a:cs typeface="+mn-cs"/>
+              </a:defRPr>
+            </a:lvl1pPr>
+            <a:lvl2pPr marL="754380" indent="-342900" algn="l" rtl="0" eaLnBrk="1" latinLnBrk="0" hangingPunct="1">
+              <a:spcBef>
+                <a:spcPts val="300"/>
+              </a:spcBef>
+              <a:buClr>
+                <a:schemeClr val="accent1"/>
+              </a:buClr>
+              <a:buFont typeface="Arial" panose="020B0604020202020204" pitchFamily="34" charset="0"/>
+              <a:buChar char="•"/>
+              <a:defRPr kumimoji="0" sz="2400" kern="1200">
+                <a:solidFill>
+                  <a:schemeClr val="accent5"/>
+                </a:solidFill>
+                <a:latin typeface="+mn-lt"/>
+                <a:ea typeface="+mn-ea"/>
+                <a:cs typeface="+mn-cs"/>
+              </a:defRPr>
+            </a:lvl2pPr>
+            <a:lvl3pPr marL="923544" indent="-219456" algn="l" rtl="0" eaLnBrk="1" latinLnBrk="0" hangingPunct="1">
+              <a:spcBef>
+                <a:spcPts val="300"/>
+              </a:spcBef>
+              <a:buClr>
+                <a:schemeClr val="accent1"/>
+              </a:buClr>
+              <a:buFont typeface="Wingdings 2"/>
+              <a:buChar char=""/>
+              <a:defRPr kumimoji="0" sz="2000" kern="1200">
+                <a:solidFill>
+                  <a:schemeClr val="bg1">
+                    <a:lumMod val="50000"/>
+                  </a:schemeClr>
+                </a:solidFill>
+                <a:latin typeface="+mn-lt"/>
+                <a:ea typeface="+mn-ea"/>
+                <a:cs typeface="+mn-cs"/>
+              </a:defRPr>
+            </a:lvl3pPr>
+            <a:lvl4pPr marL="1179576" indent="-201168" algn="l" rtl="0" eaLnBrk="1" latinLnBrk="0" hangingPunct="1">
+              <a:spcBef>
+                <a:spcPts val="300"/>
+              </a:spcBef>
+              <a:buClr>
+                <a:schemeClr val="accent1"/>
+              </a:buClr>
+              <a:buFont typeface="Wingdings 2"/>
+              <a:buChar char=""/>
+              <a:defRPr kumimoji="0" sz="2000" kern="1200">
+                <a:solidFill>
+                  <a:schemeClr val="bg1">
+                    <a:lumMod val="50000"/>
+                  </a:schemeClr>
+                </a:solidFill>
+                <a:latin typeface="+mn-lt"/>
+                <a:ea typeface="+mn-ea"/>
+                <a:cs typeface="+mn-cs"/>
+              </a:defRPr>
+            </a:lvl4pPr>
+            <a:lvl5pPr marL="1389888" indent="-182880" algn="l" rtl="0" eaLnBrk="1" latinLnBrk="0" hangingPunct="1">
+              <a:spcBef>
+                <a:spcPts val="300"/>
+              </a:spcBef>
+              <a:buClr>
+                <a:schemeClr val="accent3"/>
+              </a:buClr>
+              <a:buFont typeface="Georgia"/>
+              <a:buChar char="▫"/>
+              <a:defRPr kumimoji="0" sz="1800" kern="1200">
+                <a:solidFill>
+                  <a:schemeClr val="bg1">
+                    <a:lumMod val="50000"/>
+                  </a:schemeClr>
+                </a:solidFill>
+                <a:latin typeface="+mn-lt"/>
+                <a:ea typeface="+mn-ea"/>
+                <a:cs typeface="+mn-cs"/>
+              </a:defRPr>
+            </a:lvl5pPr>
+            <a:lvl6pPr marL="1609344" indent="-182880" algn="l" rtl="0" eaLnBrk="1" latinLnBrk="0" hangingPunct="1">
+              <a:spcBef>
+                <a:spcPts val="300"/>
+              </a:spcBef>
+              <a:buClr>
+                <a:schemeClr val="accent3"/>
+              </a:buClr>
+              <a:buFont typeface="Georgia"/>
+              <a:buChar char="▫"/>
+              <a:defRPr kumimoji="0" sz="1800" kern="1200">
+                <a:solidFill>
+                  <a:schemeClr val="accent3"/>
+                </a:solidFill>
+                <a:latin typeface="+mn-lt"/>
+                <a:ea typeface="+mn-ea"/>
+                <a:cs typeface="+mn-cs"/>
+              </a:defRPr>
+            </a:lvl6pPr>
+            <a:lvl7pPr marL="1828800" indent="-182880" algn="l" rtl="0" eaLnBrk="1" latinLnBrk="0" hangingPunct="1">
+              <a:spcBef>
+                <a:spcPts val="300"/>
+              </a:spcBef>
+              <a:buClr>
+                <a:schemeClr val="accent3"/>
+              </a:buClr>
+              <a:buFont typeface="Georgia"/>
+              <a:buChar char="▫"/>
+              <a:defRPr kumimoji="0" sz="1600" kern="1200">
+                <a:solidFill>
+                  <a:schemeClr val="accent3"/>
+                </a:solidFill>
+                <a:latin typeface="+mn-lt"/>
+                <a:ea typeface="+mn-ea"/>
+                <a:cs typeface="+mn-cs"/>
+              </a:defRPr>
+            </a:lvl7pPr>
+            <a:lvl8pPr marL="2029968" indent="-182880" algn="l" rtl="0" eaLnBrk="1" latinLnBrk="0" hangingPunct="1">
+              <a:spcBef>
+                <a:spcPts val="300"/>
+              </a:spcBef>
+              <a:buClr>
+                <a:schemeClr val="accent3"/>
+              </a:buClr>
+              <a:buFont typeface="Georgia"/>
+              <a:buChar char="◦"/>
+              <a:defRPr kumimoji="0" sz="1500" kern="1200">
+                <a:solidFill>
+                  <a:schemeClr val="accent3"/>
+                </a:solidFill>
+                <a:latin typeface="+mn-lt"/>
+                <a:ea typeface="+mn-ea"/>
+                <a:cs typeface="+mn-cs"/>
+              </a:defRPr>
+            </a:lvl8pPr>
+            <a:lvl9pPr marL="2240280" indent="-182880" algn="l" rtl="0" eaLnBrk="1" latinLnBrk="0" hangingPunct="1">
+              <a:spcBef>
+                <a:spcPts val="300"/>
+              </a:spcBef>
+              <a:buClr>
+                <a:schemeClr val="accent3"/>
+              </a:buClr>
+              <a:buFont typeface="Georgia"/>
+              <a:buChar char="◦"/>
+              <a:defRPr kumimoji="0" sz="1400" kern="1200" baseline="0">
+                <a:solidFill>
+                  <a:schemeClr val="accent3"/>
+                </a:solidFill>
+                <a:latin typeface="+mn-lt"/>
+                <a:ea typeface="+mn-ea"/>
+                <a:cs typeface="+mn-cs"/>
+              </a:defRPr>
+            </a:lvl9pPr>
+          </a:lstStyle>
+          <a:p>
+            <a:r>
+              <a:rPr lang="en-US" dirty="0" smtClean="0"/>
+              <a:t>Threshold: 0.500000</a:t>
+            </a:r>
+          </a:p>
+          <a:p>
+            <a:r>
+              <a:rPr lang="en-US" dirty="0"/>
+              <a:t>Total files: 85</a:t>
+            </a:r>
+          </a:p>
+          <a:p>
+            <a:r>
+              <a:rPr lang="en-US" dirty="0" smtClean="0"/>
+              <a:t>Correct predictions: 73</a:t>
+            </a:r>
+          </a:p>
+          <a:p>
+            <a:pPr lvl="1"/>
+            <a:r>
+              <a:rPr lang="en-US" dirty="0" smtClean="0"/>
+              <a:t>True </a:t>
+            </a:r>
+            <a:r>
+              <a:rPr lang="en-US" dirty="0" err="1" smtClean="0"/>
+              <a:t>pos</a:t>
+            </a:r>
+            <a:r>
+              <a:rPr lang="en-US" dirty="0" smtClean="0"/>
+              <a:t>: 27</a:t>
+            </a:r>
+          </a:p>
+          <a:p>
+            <a:pPr lvl="1"/>
+            <a:r>
+              <a:rPr lang="en-US" dirty="0" smtClean="0"/>
+              <a:t>True </a:t>
+            </a:r>
+            <a:r>
+              <a:rPr lang="en-US" dirty="0" err="1" smtClean="0"/>
+              <a:t>neg</a:t>
+            </a:r>
+            <a:r>
+              <a:rPr lang="en-US" dirty="0" smtClean="0"/>
+              <a:t>: 46</a:t>
+            </a:r>
+          </a:p>
+          <a:p>
+            <a:pPr lvl="1"/>
+            <a:r>
+              <a:rPr lang="en-US" dirty="0" smtClean="0"/>
+              <a:t>False </a:t>
+            </a:r>
+            <a:r>
+              <a:rPr lang="en-US" dirty="0" err="1" smtClean="0"/>
+              <a:t>pos</a:t>
+            </a:r>
+            <a:r>
+              <a:rPr lang="en-US" dirty="0" smtClean="0"/>
+              <a:t>: 6</a:t>
+            </a:r>
+          </a:p>
+          <a:p>
+            <a:pPr lvl="1"/>
+            <a:r>
+              <a:rPr lang="en-US" dirty="0" smtClean="0"/>
+              <a:t>False </a:t>
+            </a:r>
+            <a:r>
+              <a:rPr lang="en-US" dirty="0" err="1" smtClean="0"/>
+              <a:t>neg</a:t>
+            </a:r>
+            <a:r>
+              <a:rPr lang="en-US" dirty="0" smtClean="0"/>
+              <a:t>: 6</a:t>
+            </a:r>
+          </a:p>
+          <a:p>
+            <a:r>
+              <a:rPr lang="en-US" b="1" dirty="0"/>
+              <a:t>Accuracy: </a:t>
+            </a:r>
+            <a:r>
+              <a:rPr lang="en-US" b="1" dirty="0" smtClean="0"/>
+              <a:t>0.858824</a:t>
+            </a:r>
+            <a:endParaRPr lang="en-US" dirty="0" smtClean="0"/>
+          </a:p>
+          <a:p>
+            <a:r>
+              <a:rPr lang="en-US" b="1" dirty="0" smtClean="0"/>
+              <a:t>Sensitivity: 0.818182</a:t>
+            </a:r>
+          </a:p>
+          <a:p>
+            <a:r>
+              <a:rPr lang="en-US" b="1" dirty="0" smtClean="0"/>
+              <a:t>Specificity: 0.884615</a:t>
+            </a:r>
+            <a:endParaRPr lang="en-US" b="1" dirty="0"/>
+          </a:p>
+        </p:txBody>
+      </p:sp>
+    </p:spTree>
+    <p:extLst>
+      <p:ext uri="{BB962C8B-B14F-4D97-AF65-F5344CB8AC3E}">
+        <p14:creationId xmlns:p14="http://schemas.microsoft.com/office/powerpoint/2010/main" val="1516619050"/>
+      </p:ext>
+    </p:extLst>
+  </p:cSld>
+  <p:clrMapOvr>
+    <a:masterClrMapping/>
+  </p:clrMapOvr>
+  <p:timing>
+    <p:tnLst>
+      <p:par>
+        <p:cTn id="1" dur="indefinite" restart="never" nodeType="tmRoot"/>
+      </p:par>
+    </p:tnLst>
+  </p:timing>
+</p:sld>
+</file>
+
+<file path=ppt/slides/slide24.xml><?xml version="1.0" encoding="utf-8"?>
+<p:sld xmlns:a="http://schemas.openxmlformats.org/drawingml/2006/main" xmlns:r="http://schemas.openxmlformats.org/officeDocument/2006/relationships" xmlns:p="http://schemas.openxmlformats.org/presentationml/2006/main">
+  <p:cSld>
+    <p:spTree>
+      <p:nvGrpSpPr>
+        <p:cNvPr id="1" name=""/>
+        <p:cNvGrpSpPr/>
+        <p:nvPr/>
+      </p:nvGrpSpPr>
+      <p:grpSpPr>
+        <a:xfrm>
+          <a:off x="0" y="0"/>
+          <a:ext cx="0" cy="0"/>
+          <a:chOff x="0" y="0"/>
+          <a:chExt cx="0" cy="0"/>
+        </a:xfrm>
+      </p:grpSpPr>
+      <p:sp>
+        <p:nvSpPr>
+          <p:cNvPr id="2" name="Title 1"/>
+          <p:cNvSpPr>
+            <a:spLocks noGrp="1"/>
+          </p:cNvSpPr>
+          <p:nvPr>
+            <p:ph type="title"/>
+          </p:nvPr>
+        </p:nvSpPr>
+        <p:spPr/>
+        <p:txBody>
+          <a:bodyPr/>
+          <a:lstStyle/>
+          <a:p>
+            <a:r>
+              <a:rPr lang="en-US" dirty="0" smtClean="0"/>
+              <a:t>Machine Learning v2 – Test Set</a:t>
+            </a:r>
+            <a:endParaRPr lang="en-US" dirty="0"/>
+          </a:p>
+        </p:txBody>
+      </p:sp>
+      <p:sp>
+        <p:nvSpPr>
+          <p:cNvPr id="3" name="Content Placeholder 2"/>
+          <p:cNvSpPr>
+            <a:spLocks noGrp="1"/>
+          </p:cNvSpPr>
+          <p:nvPr>
+            <p:ph idx="1"/>
+          </p:nvPr>
+        </p:nvSpPr>
+        <p:spPr>
+          <a:xfrm>
+            <a:off x="381000" y="1676400"/>
+            <a:ext cx="4114800" cy="5181600"/>
+          </a:xfrm>
+        </p:spPr>
+        <p:txBody>
+          <a:bodyPr>
+            <a:normAutofit fontScale="62500" lnSpcReduction="20000"/>
+          </a:bodyPr>
+          <a:lstStyle/>
+          <a:p>
+            <a:r>
+              <a:rPr lang="pt-BR" dirty="0"/>
+              <a:t>Loci examined</a:t>
+            </a:r>
+          </a:p>
+          <a:p>
+            <a:pPr lvl="1"/>
+            <a:r>
+              <a:rPr lang="pt-BR" dirty="0"/>
+              <a:t>MSI-11 </a:t>
+            </a:r>
+          </a:p>
+          <a:p>
+            <a:pPr lvl="1"/>
+            <a:r>
+              <a:rPr lang="pt-BR" dirty="0"/>
+              <a:t>MSI-14 </a:t>
+            </a:r>
+          </a:p>
+          <a:p>
+            <a:pPr lvl="1"/>
+            <a:r>
+              <a:rPr lang="pt-BR" dirty="0"/>
+              <a:t>H-10 </a:t>
+            </a:r>
+          </a:p>
+          <a:p>
+            <a:pPr lvl="1"/>
+            <a:r>
+              <a:rPr lang="pt-BR" dirty="0"/>
+              <a:t>HSPH1-T17 </a:t>
+            </a:r>
+          </a:p>
+          <a:p>
+            <a:pPr lvl="1"/>
+            <a:r>
+              <a:rPr lang="pt-BR" dirty="0"/>
+              <a:t>BAT-26 </a:t>
+            </a:r>
+          </a:p>
+          <a:p>
+            <a:pPr lvl="1"/>
+            <a:r>
+              <a:rPr lang="pt-BR" dirty="0"/>
+              <a:t>BAT-25 </a:t>
+            </a:r>
+          </a:p>
+          <a:p>
+            <a:pPr lvl="1"/>
+            <a:r>
+              <a:rPr lang="pt-BR" dirty="0"/>
+              <a:t>MSI-04 </a:t>
+            </a:r>
+          </a:p>
+          <a:p>
+            <a:pPr lvl="1"/>
+            <a:r>
+              <a:rPr lang="pt-BR" dirty="0"/>
+              <a:t>MSI-06 </a:t>
+            </a:r>
+          </a:p>
+          <a:p>
+            <a:pPr lvl="1"/>
+            <a:r>
+              <a:rPr lang="pt-BR" dirty="0"/>
+              <a:t>MSI-07 </a:t>
+            </a:r>
+          </a:p>
+          <a:p>
+            <a:pPr lvl="1"/>
+            <a:r>
+              <a:rPr lang="pt-BR" dirty="0"/>
+              <a:t>MSI-01 </a:t>
+            </a:r>
+          </a:p>
+          <a:p>
+            <a:pPr lvl="1"/>
+            <a:r>
+              <a:rPr lang="pt-BR" dirty="0"/>
+              <a:t>MSI-03 </a:t>
+            </a:r>
+          </a:p>
+          <a:p>
+            <a:pPr lvl="1"/>
+            <a:r>
+              <a:rPr lang="pt-BR" dirty="0"/>
+              <a:t>MSI-09 </a:t>
+            </a:r>
+          </a:p>
+          <a:p>
+            <a:pPr lvl="1"/>
+            <a:r>
+              <a:rPr lang="pt-BR" dirty="0"/>
+              <a:t>H-09 </a:t>
+            </a:r>
+          </a:p>
+          <a:p>
+            <a:pPr lvl="1"/>
+            <a:r>
+              <a:rPr lang="pt-BR" dirty="0"/>
+              <a:t>H-08 </a:t>
+            </a:r>
+          </a:p>
+          <a:p>
+            <a:pPr lvl="1"/>
+            <a:r>
+              <a:rPr lang="pt-BR" dirty="0"/>
+              <a:t>H-01 </a:t>
+            </a:r>
+          </a:p>
+          <a:p>
+            <a:pPr lvl="1"/>
+            <a:r>
+              <a:rPr lang="pt-BR" dirty="0"/>
+              <a:t>H-03 </a:t>
+            </a:r>
+          </a:p>
+          <a:p>
+            <a:pPr lvl="1"/>
+            <a:r>
+              <a:rPr lang="pt-BR" dirty="0"/>
+              <a:t>H-02 </a:t>
+            </a:r>
+          </a:p>
+          <a:p>
+            <a:pPr lvl="1"/>
+            <a:r>
+              <a:rPr lang="pt-BR" dirty="0"/>
+              <a:t>H-04 </a:t>
+            </a:r>
+          </a:p>
+          <a:p>
+            <a:pPr lvl="1"/>
+            <a:r>
+              <a:rPr lang="pt-BR" dirty="0"/>
+              <a:t>H-07 </a:t>
+            </a:r>
+          </a:p>
+          <a:p>
+            <a:pPr lvl="1"/>
+            <a:r>
+              <a:rPr lang="pt-BR" dirty="0"/>
+              <a:t>H-06 </a:t>
+            </a:r>
+          </a:p>
+          <a:p>
+            <a:pPr lvl="1"/>
+            <a:r>
+              <a:rPr lang="pt-BR" dirty="0"/>
+              <a:t>H-05</a:t>
+            </a:r>
+          </a:p>
+          <a:p>
+            <a:endParaRPr lang="en-US" dirty="0"/>
+          </a:p>
+        </p:txBody>
+      </p:sp>
+      <p:sp>
+        <p:nvSpPr>
+          <p:cNvPr id="5" name="Content Placeholder 2"/>
+          <p:cNvSpPr txBox="1">
+            <a:spLocks/>
+          </p:cNvSpPr>
+          <p:nvPr/>
+        </p:nvSpPr>
+        <p:spPr>
+          <a:xfrm>
+            <a:off x="3200400" y="1676400"/>
+            <a:ext cx="5334000" cy="5029200"/>
+          </a:xfrm>
+          <a:prstGeom prst="rect">
+            <a:avLst/>
+          </a:prstGeom>
+        </p:spPr>
+        <p:txBody>
+          <a:bodyPr vert="horz">
+            <a:normAutofit fontScale="92500" lnSpcReduction="20000"/>
+          </a:bodyPr>
+          <a:lstStyle>
+            <a:lvl1pPr marL="365760" indent="-256032" algn="l" rtl="0" eaLnBrk="1" latinLnBrk="0" hangingPunct="1">
+              <a:spcBef>
+                <a:spcPts val="300"/>
+              </a:spcBef>
+              <a:buClr>
+                <a:schemeClr val="accent3"/>
+              </a:buClr>
+              <a:buFont typeface="Wingdings" panose="05000000000000000000" pitchFamily="2" charset="2"/>
+              <a:buChar char="§"/>
+              <a:defRPr kumimoji="0" sz="2800" kern="1200">
+                <a:solidFill>
+                  <a:schemeClr val="tx1"/>
+                </a:solidFill>
+                <a:latin typeface="+mn-lt"/>
+                <a:ea typeface="+mn-ea"/>
+                <a:cs typeface="+mn-cs"/>
+              </a:defRPr>
+            </a:lvl1pPr>
+            <a:lvl2pPr marL="754380" indent="-342900" algn="l" rtl="0" eaLnBrk="1" latinLnBrk="0" hangingPunct="1">
+              <a:spcBef>
+                <a:spcPts val="300"/>
+              </a:spcBef>
+              <a:buClr>
+                <a:schemeClr val="accent1"/>
+              </a:buClr>
+              <a:buFont typeface="Arial" panose="020B0604020202020204" pitchFamily="34" charset="0"/>
+              <a:buChar char="•"/>
+              <a:defRPr kumimoji="0" sz="2400" kern="1200">
+                <a:solidFill>
+                  <a:schemeClr val="accent5"/>
+                </a:solidFill>
+                <a:latin typeface="+mn-lt"/>
+                <a:ea typeface="+mn-ea"/>
+                <a:cs typeface="+mn-cs"/>
+              </a:defRPr>
+            </a:lvl2pPr>
+            <a:lvl3pPr marL="923544" indent="-219456" algn="l" rtl="0" eaLnBrk="1" latinLnBrk="0" hangingPunct="1">
+              <a:spcBef>
+                <a:spcPts val="300"/>
+              </a:spcBef>
+              <a:buClr>
+                <a:schemeClr val="accent1"/>
+              </a:buClr>
+              <a:buFont typeface="Wingdings 2"/>
+              <a:buChar char=""/>
+              <a:defRPr kumimoji="0" sz="2000" kern="1200">
+                <a:solidFill>
+                  <a:schemeClr val="bg1">
+                    <a:lumMod val="50000"/>
+                  </a:schemeClr>
+                </a:solidFill>
+                <a:latin typeface="+mn-lt"/>
+                <a:ea typeface="+mn-ea"/>
+                <a:cs typeface="+mn-cs"/>
+              </a:defRPr>
+            </a:lvl3pPr>
+            <a:lvl4pPr marL="1179576" indent="-201168" algn="l" rtl="0" eaLnBrk="1" latinLnBrk="0" hangingPunct="1">
+              <a:spcBef>
+                <a:spcPts val="300"/>
+              </a:spcBef>
+              <a:buClr>
+                <a:schemeClr val="accent1"/>
+              </a:buClr>
+              <a:buFont typeface="Wingdings 2"/>
+              <a:buChar char=""/>
+              <a:defRPr kumimoji="0" sz="2000" kern="1200">
+                <a:solidFill>
+                  <a:schemeClr val="bg1">
+                    <a:lumMod val="50000"/>
+                  </a:schemeClr>
+                </a:solidFill>
+                <a:latin typeface="+mn-lt"/>
+                <a:ea typeface="+mn-ea"/>
+                <a:cs typeface="+mn-cs"/>
+              </a:defRPr>
+            </a:lvl4pPr>
+            <a:lvl5pPr marL="1389888" indent="-182880" algn="l" rtl="0" eaLnBrk="1" latinLnBrk="0" hangingPunct="1">
+              <a:spcBef>
+                <a:spcPts val="300"/>
+              </a:spcBef>
+              <a:buClr>
+                <a:schemeClr val="accent3"/>
+              </a:buClr>
+              <a:buFont typeface="Georgia"/>
+              <a:buChar char="▫"/>
+              <a:defRPr kumimoji="0" sz="1800" kern="1200">
+                <a:solidFill>
+                  <a:schemeClr val="bg1">
+                    <a:lumMod val="50000"/>
+                  </a:schemeClr>
+                </a:solidFill>
+                <a:latin typeface="+mn-lt"/>
+                <a:ea typeface="+mn-ea"/>
+                <a:cs typeface="+mn-cs"/>
+              </a:defRPr>
+            </a:lvl5pPr>
+            <a:lvl6pPr marL="1609344" indent="-182880" algn="l" rtl="0" eaLnBrk="1" latinLnBrk="0" hangingPunct="1">
+              <a:spcBef>
+                <a:spcPts val="300"/>
+              </a:spcBef>
+              <a:buClr>
+                <a:schemeClr val="accent3"/>
+              </a:buClr>
+              <a:buFont typeface="Georgia"/>
+              <a:buChar char="▫"/>
+              <a:defRPr kumimoji="0" sz="1800" kern="1200">
+                <a:solidFill>
+                  <a:schemeClr val="accent3"/>
+                </a:solidFill>
+                <a:latin typeface="+mn-lt"/>
+                <a:ea typeface="+mn-ea"/>
+                <a:cs typeface="+mn-cs"/>
+              </a:defRPr>
+            </a:lvl6pPr>
+            <a:lvl7pPr marL="1828800" indent="-182880" algn="l" rtl="0" eaLnBrk="1" latinLnBrk="0" hangingPunct="1">
+              <a:spcBef>
+                <a:spcPts val="300"/>
+              </a:spcBef>
+              <a:buClr>
+                <a:schemeClr val="accent3"/>
+              </a:buClr>
+              <a:buFont typeface="Georgia"/>
+              <a:buChar char="▫"/>
+              <a:defRPr kumimoji="0" sz="1600" kern="1200">
+                <a:solidFill>
+                  <a:schemeClr val="accent3"/>
+                </a:solidFill>
+                <a:latin typeface="+mn-lt"/>
+                <a:ea typeface="+mn-ea"/>
+                <a:cs typeface="+mn-cs"/>
+              </a:defRPr>
+            </a:lvl7pPr>
+            <a:lvl8pPr marL="2029968" indent="-182880" algn="l" rtl="0" eaLnBrk="1" latinLnBrk="0" hangingPunct="1">
+              <a:spcBef>
+                <a:spcPts val="300"/>
+              </a:spcBef>
+              <a:buClr>
+                <a:schemeClr val="accent3"/>
+              </a:buClr>
+              <a:buFont typeface="Georgia"/>
+              <a:buChar char="◦"/>
+              <a:defRPr kumimoji="0" sz="1500" kern="1200">
+                <a:solidFill>
+                  <a:schemeClr val="accent3"/>
+                </a:solidFill>
+                <a:latin typeface="+mn-lt"/>
+                <a:ea typeface="+mn-ea"/>
+                <a:cs typeface="+mn-cs"/>
+              </a:defRPr>
+            </a:lvl8pPr>
+            <a:lvl9pPr marL="2240280" indent="-182880" algn="l" rtl="0" eaLnBrk="1" latinLnBrk="0" hangingPunct="1">
+              <a:spcBef>
+                <a:spcPts val="300"/>
+              </a:spcBef>
+              <a:buClr>
+                <a:schemeClr val="accent3"/>
+              </a:buClr>
+              <a:buFont typeface="Georgia"/>
+              <a:buChar char="◦"/>
+              <a:defRPr kumimoji="0" sz="1400" kern="1200" baseline="0">
+                <a:solidFill>
+                  <a:schemeClr val="accent3"/>
+                </a:solidFill>
+                <a:latin typeface="+mn-lt"/>
+                <a:ea typeface="+mn-ea"/>
+                <a:cs typeface="+mn-cs"/>
+              </a:defRPr>
+            </a:lvl9pPr>
+          </a:lstStyle>
+          <a:p>
+            <a:r>
+              <a:rPr lang="en-US" dirty="0"/>
+              <a:t>Upper threshold: 0.550000</a:t>
+            </a:r>
+          </a:p>
+          <a:p>
+            <a:r>
+              <a:rPr lang="en-US" dirty="0"/>
+              <a:t>Lower threshold: </a:t>
+            </a:r>
+            <a:r>
+              <a:rPr lang="en-US" dirty="0" smtClean="0"/>
+              <a:t>0.450000</a:t>
+            </a:r>
+          </a:p>
+          <a:p>
+            <a:r>
+              <a:rPr lang="en-US" dirty="0" smtClean="0"/>
+              <a:t>Total </a:t>
+            </a:r>
+            <a:r>
+              <a:rPr lang="en-US" dirty="0"/>
+              <a:t>files: </a:t>
+            </a:r>
+            <a:r>
+              <a:rPr lang="en-US" dirty="0" smtClean="0"/>
+              <a:t>85</a:t>
+            </a:r>
+          </a:p>
+          <a:p>
+            <a:r>
+              <a:rPr lang="en-US" dirty="0" smtClean="0"/>
+              <a:t>Indeterminate files: 9</a:t>
+            </a:r>
+          </a:p>
+          <a:p>
+            <a:r>
+              <a:rPr lang="en-US" dirty="0" smtClean="0"/>
+              <a:t>Predictions: 76</a:t>
+            </a:r>
+            <a:endParaRPr lang="en-US" dirty="0"/>
+          </a:p>
+          <a:p>
+            <a:r>
+              <a:rPr lang="en-US" dirty="0" smtClean="0"/>
+              <a:t>Correct predictions: 67</a:t>
+            </a:r>
+          </a:p>
+          <a:p>
+            <a:pPr lvl="1"/>
+            <a:r>
+              <a:rPr lang="en-US" dirty="0" smtClean="0"/>
+              <a:t>True </a:t>
+            </a:r>
+            <a:r>
+              <a:rPr lang="en-US" dirty="0" err="1" smtClean="0"/>
+              <a:t>pos</a:t>
+            </a:r>
+            <a:r>
+              <a:rPr lang="en-US" dirty="0" smtClean="0"/>
+              <a:t>: 25</a:t>
+            </a:r>
+          </a:p>
+          <a:p>
+            <a:pPr lvl="1"/>
+            <a:r>
+              <a:rPr lang="en-US" dirty="0" smtClean="0"/>
+              <a:t>True </a:t>
+            </a:r>
+            <a:r>
+              <a:rPr lang="en-US" dirty="0" err="1" smtClean="0"/>
+              <a:t>neg</a:t>
+            </a:r>
+            <a:r>
+              <a:rPr lang="en-US" dirty="0" smtClean="0"/>
+              <a:t>: 42</a:t>
+            </a:r>
+          </a:p>
+          <a:p>
+            <a:pPr lvl="1"/>
+            <a:r>
+              <a:rPr lang="en-US" dirty="0" smtClean="0"/>
+              <a:t>False </a:t>
+            </a:r>
+            <a:r>
+              <a:rPr lang="en-US" dirty="0" err="1" smtClean="0"/>
+              <a:t>pos</a:t>
+            </a:r>
+            <a:r>
+              <a:rPr lang="en-US" dirty="0" smtClean="0"/>
+              <a:t>: 3</a:t>
+            </a:r>
+          </a:p>
+          <a:p>
+            <a:pPr lvl="1"/>
+            <a:r>
+              <a:rPr lang="en-US" dirty="0" smtClean="0"/>
+              <a:t>False </a:t>
+            </a:r>
+            <a:r>
+              <a:rPr lang="en-US" dirty="0" err="1" smtClean="0"/>
+              <a:t>neg</a:t>
+            </a:r>
+            <a:r>
+              <a:rPr lang="en-US" dirty="0" smtClean="0"/>
+              <a:t>: 6</a:t>
+            </a:r>
+          </a:p>
+          <a:p>
+            <a:r>
+              <a:rPr lang="en-US" b="1" dirty="0"/>
+              <a:t>Accuracy: </a:t>
+            </a:r>
+            <a:r>
+              <a:rPr lang="en-US" b="1" dirty="0" smtClean="0"/>
+              <a:t>0.881579</a:t>
+            </a:r>
+            <a:endParaRPr lang="en-US" dirty="0" smtClean="0"/>
+          </a:p>
+          <a:p>
+            <a:r>
+              <a:rPr lang="en-US" b="1" dirty="0" smtClean="0"/>
+              <a:t>Sensitivity: 0.806452</a:t>
+            </a:r>
+          </a:p>
+          <a:p>
+            <a:r>
+              <a:rPr lang="en-US" b="1" dirty="0" smtClean="0"/>
+              <a:t>Specificity: 0.933333</a:t>
+            </a:r>
+          </a:p>
+          <a:p>
+            <a:r>
+              <a:rPr lang="en-US" b="1" dirty="0" smtClean="0"/>
+              <a:t>Indeterminate: 10%</a:t>
+            </a:r>
+            <a:endParaRPr lang="en-US" b="1" dirty="0"/>
+          </a:p>
+        </p:txBody>
+      </p:sp>
+    </p:spTree>
+    <p:extLst>
+      <p:ext uri="{BB962C8B-B14F-4D97-AF65-F5344CB8AC3E}">
+        <p14:creationId xmlns:p14="http://schemas.microsoft.com/office/powerpoint/2010/main" val="1273697552"/>
+      </p:ext>
+    </p:extLst>
+  </p:cSld>
+  <p:clrMapOvr>
+    <a:masterClrMapping/>
+  </p:clrMapOvr>
+  <p:timing>
+    <p:tnLst>
+      <p:par>
+        <p:cTn id="1" dur="indefinite" restart="never" nodeType="tmRoot"/>
+      </p:par>
+    </p:tnLst>
+  </p:timing>
+</p:sld>
+</file>
+
+<file path=ppt/slides/slide25.xml><?xml version="1.0" encoding="utf-8"?>
+<p:sld xmlns:a="http://schemas.openxmlformats.org/drawingml/2006/main" xmlns:r="http://schemas.openxmlformats.org/officeDocument/2006/relationships" xmlns:p="http://schemas.openxmlformats.org/presentationml/2006/main">
+  <p:cSld>
+    <p:spTree>
+      <p:nvGrpSpPr>
+        <p:cNvPr id="1" name=""/>
+        <p:cNvGrpSpPr/>
+        <p:nvPr/>
+      </p:nvGrpSpPr>
+      <p:grpSpPr>
+        <a:xfrm>
+          <a:off x="0" y="0"/>
+          <a:ext cx="0" cy="0"/>
+          <a:chOff x="0" y="0"/>
+          <a:chExt cx="0" cy="0"/>
+        </a:xfrm>
+      </p:grpSpPr>
+      <p:sp>
+        <p:nvSpPr>
+          <p:cNvPr id="2" name="Title 1"/>
+          <p:cNvSpPr>
+            <a:spLocks noGrp="1"/>
+          </p:cNvSpPr>
+          <p:nvPr>
+            <p:ph type="title"/>
+          </p:nvPr>
+        </p:nvSpPr>
+        <p:spPr/>
+        <p:txBody>
+          <a:bodyPr/>
+          <a:lstStyle/>
+          <a:p>
+            <a:r>
+              <a:rPr lang="en-US" dirty="0" smtClean="0"/>
+              <a:t>Summary</a:t>
+            </a:r>
+            <a:endParaRPr lang="en-US" dirty="0"/>
+          </a:p>
+        </p:txBody>
+      </p:sp>
+      <p:sp>
+        <p:nvSpPr>
+          <p:cNvPr id="3" name="Content Placeholder 2"/>
+          <p:cNvSpPr>
+            <a:spLocks noGrp="1"/>
+          </p:cNvSpPr>
+          <p:nvPr>
+            <p:ph idx="1"/>
+          </p:nvPr>
+        </p:nvSpPr>
+        <p:spPr>
+          <a:xfrm>
+            <a:off x="381000" y="1676400"/>
+            <a:ext cx="8534400" cy="4325112"/>
+          </a:xfrm>
+        </p:spPr>
+        <p:txBody>
+          <a:bodyPr/>
+          <a:lstStyle/>
+          <a:p>
+            <a:r>
+              <a:rPr lang="en-US" dirty="0" smtClean="0"/>
+              <a:t>Maximum accuracy of 88% on test set</a:t>
+            </a:r>
+          </a:p>
+          <a:p>
+            <a:pPr lvl="1"/>
+            <a:r>
+              <a:rPr lang="en-US" dirty="0" smtClean="0"/>
+              <a:t>10% labeled as ‘Indeterminate’</a:t>
+            </a:r>
+          </a:p>
+          <a:p>
+            <a:pPr lvl="1"/>
+            <a:endParaRPr lang="en-US" dirty="0"/>
+          </a:p>
+          <a:p>
+            <a:r>
+              <a:rPr lang="en-US" dirty="0" smtClean="0"/>
+              <a:t>Machine learning using all loci and all features is most:</a:t>
+            </a:r>
+          </a:p>
+          <a:p>
+            <a:pPr lvl="1"/>
+            <a:r>
+              <a:rPr lang="en-US" dirty="0" smtClean="0"/>
+              <a:t>Accurate </a:t>
+            </a:r>
+          </a:p>
+          <a:p>
+            <a:pPr lvl="1"/>
+            <a:r>
+              <a:rPr lang="en-US" dirty="0" smtClean="0"/>
+              <a:t>Sensitive/Specific</a:t>
+            </a:r>
+          </a:p>
+          <a:p>
+            <a:pPr lvl="1"/>
+            <a:endParaRPr lang="en-US" dirty="0"/>
+          </a:p>
+          <a:p>
+            <a:endParaRPr lang="en-US" dirty="0"/>
+          </a:p>
+        </p:txBody>
+      </p:sp>
+    </p:spTree>
+    <p:extLst>
+      <p:ext uri="{BB962C8B-B14F-4D97-AF65-F5344CB8AC3E}">
+        <p14:creationId xmlns:p14="http://schemas.microsoft.com/office/powerpoint/2010/main" val="3287299317"/>
+      </p:ext>
+    </p:extLst>
+  </p:cSld>
+  <p:clrMapOvr>
+    <a:masterClrMapping/>
+  </p:clrMapOvr>
+  <p:timing>
+    <p:tnLst>
+      <p:par>
+        <p:cTn id="1" dur="indefinite" restart="never" nodeType="tmRoot"/>
+      </p:par>
+    </p:tnLst>
+  </p:timing>
+</p:sld>
+</file>
+
+<file path=ppt/slides/slide26.xml><?xml version="1.0" encoding="utf-8"?>
+<p:sld xmlns:a="http://schemas.openxmlformats.org/drawingml/2006/main" xmlns:r="http://schemas.openxmlformats.org/officeDocument/2006/relationships" xmlns:p="http://schemas.openxmlformats.org/presentationml/2006/main">
+  <p:cSld>
+    <p:spTree>
+      <p:nvGrpSpPr>
+        <p:cNvPr id="1" name=""/>
+        <p:cNvGrpSpPr/>
+        <p:nvPr/>
+      </p:nvGrpSpPr>
+      <p:grpSpPr>
+        <a:xfrm>
+          <a:off x="0" y="0"/>
+          <a:ext cx="0" cy="0"/>
+          <a:chOff x="0" y="0"/>
+          <a:chExt cx="0" cy="0"/>
+        </a:xfrm>
+      </p:grpSpPr>
+      <p:sp>
+        <p:nvSpPr>
+          <p:cNvPr id="2" name="Title 1"/>
+          <p:cNvSpPr>
+            <a:spLocks noGrp="1"/>
+          </p:cNvSpPr>
+          <p:nvPr>
+            <p:ph type="title"/>
+          </p:nvPr>
+        </p:nvSpPr>
+        <p:spPr/>
+        <p:txBody>
+          <a:bodyPr/>
+          <a:lstStyle/>
+          <a:p>
+            <a:r>
+              <a:rPr lang="en-US" dirty="0" smtClean="0"/>
+              <a:t>Further Investigations</a:t>
+            </a:r>
+            <a:endParaRPr lang="en-US" dirty="0"/>
+          </a:p>
+        </p:txBody>
+      </p:sp>
+      <p:sp>
+        <p:nvSpPr>
+          <p:cNvPr id="3" name="Content Placeholder 2"/>
+          <p:cNvSpPr>
+            <a:spLocks noGrp="1"/>
+          </p:cNvSpPr>
+          <p:nvPr>
+            <p:ph idx="1"/>
+          </p:nvPr>
+        </p:nvSpPr>
+        <p:spPr>
+          <a:xfrm>
+            <a:off x="228600" y="1676400"/>
+            <a:ext cx="8763000" cy="5029200"/>
+          </a:xfrm>
+        </p:spPr>
+        <p:txBody>
+          <a:bodyPr>
+            <a:normAutofit fontScale="92500" lnSpcReduction="10000"/>
+          </a:bodyPr>
+          <a:lstStyle/>
+          <a:p>
+            <a:r>
+              <a:rPr lang="en-US" dirty="0" smtClean="0"/>
+              <a:t>Add a label for ‘MSI-L’ and ‘MSI-H’</a:t>
+            </a:r>
+          </a:p>
+          <a:p>
+            <a:pPr marL="109728" indent="0">
+              <a:buNone/>
+            </a:pPr>
+            <a:endParaRPr lang="en-US" dirty="0" smtClean="0"/>
+          </a:p>
+          <a:p>
+            <a:r>
+              <a:rPr lang="en-US" dirty="0" smtClean="0"/>
+              <a:t>Research clinical relevance of MSI diagnosis</a:t>
+            </a:r>
+          </a:p>
+          <a:p>
+            <a:pPr lvl="1"/>
+            <a:r>
+              <a:rPr lang="en-US" dirty="0" smtClean="0"/>
+              <a:t>Fine-tune parameters to favor either false positives or false negatives</a:t>
+            </a:r>
+          </a:p>
+          <a:p>
+            <a:pPr lvl="1"/>
+            <a:endParaRPr lang="en-US" dirty="0" smtClean="0"/>
+          </a:p>
+          <a:p>
+            <a:r>
+              <a:rPr lang="en-US" dirty="0" smtClean="0"/>
+              <a:t>Add features</a:t>
+            </a:r>
+          </a:p>
+          <a:p>
+            <a:pPr lvl="1"/>
+            <a:r>
+              <a:rPr lang="en-US" dirty="0" smtClean="0"/>
+              <a:t>Earth mover distance</a:t>
+            </a:r>
+          </a:p>
+          <a:p>
+            <a:pPr lvl="1"/>
+            <a:endParaRPr lang="en-US" dirty="0"/>
+          </a:p>
+          <a:p>
+            <a:r>
+              <a:rPr lang="en-US" dirty="0" smtClean="0"/>
+              <a:t>Regularization</a:t>
+            </a:r>
+          </a:p>
+          <a:p>
+            <a:pPr lvl="1"/>
+            <a:r>
+              <a:rPr lang="en-US" dirty="0" smtClean="0"/>
+              <a:t>L2 regularization</a:t>
+            </a:r>
+          </a:p>
+          <a:p>
+            <a:pPr lvl="2"/>
+            <a:r>
+              <a:rPr lang="en-US" dirty="0" smtClean="0"/>
+              <a:t>Penalizes any weight that is too large, drives weights asymptotically to 0</a:t>
+            </a:r>
+          </a:p>
+          <a:p>
+            <a:pPr lvl="1"/>
+            <a:r>
+              <a:rPr lang="en-US" dirty="0" smtClean="0"/>
+              <a:t>L1 regularization</a:t>
+            </a:r>
+          </a:p>
+          <a:p>
+            <a:pPr lvl="2"/>
+            <a:r>
+              <a:rPr lang="en-US" dirty="0" smtClean="0"/>
+              <a:t>Penalizes total weight of all features, drives non-informative weights to 0	</a:t>
+            </a:r>
+            <a:endParaRPr lang="en-US" dirty="0"/>
+          </a:p>
+        </p:txBody>
+      </p:sp>
+    </p:spTree>
+    <p:extLst>
+      <p:ext uri="{BB962C8B-B14F-4D97-AF65-F5344CB8AC3E}">
+        <p14:creationId xmlns:p14="http://schemas.microsoft.com/office/powerpoint/2010/main" val="939847091"/>
+      </p:ext>
+    </p:extLst>
+  </p:cSld>
+  <p:clrMapOvr>
+    <a:masterClrMapping/>
+  </p:clrMapOvr>
+  <p:timing>
+    <p:tnLst>
+      <p:par>
+        <p:cTn id="1" dur="indefinite" restart="never" nodeType="tmRoot"/>
+      </p:par>
+    </p:tnLst>
+  </p:timing>
+</p:sld>
+</file>
+
+<file path=ppt/slides/slide27.xml><?xml version="1.0" encoding="utf-8"?>
+<p:sld xmlns:a="http://schemas.openxmlformats.org/drawingml/2006/main" xmlns:r="http://schemas.openxmlformats.org/officeDocument/2006/relationships" xmlns:p="http://schemas.openxmlformats.org/presentationml/2006/main">
+  <p:cSld>
+    <p:spTree>
+      <p:nvGrpSpPr>
+        <p:cNvPr id="1" name=""/>
+        <p:cNvGrpSpPr/>
+        <p:nvPr/>
+      </p:nvGrpSpPr>
+      <p:grpSpPr>
+        <a:xfrm>
+          <a:off x="0" y="0"/>
+          <a:ext cx="0" cy="0"/>
+          <a:chOff x="0" y="0"/>
+          <a:chExt cx="0" cy="0"/>
+        </a:xfrm>
+      </p:grpSpPr>
+      <p:sp>
+        <p:nvSpPr>
+          <p:cNvPr id="2" name="Title 1"/>
+          <p:cNvSpPr>
+            <a:spLocks noGrp="1"/>
+          </p:cNvSpPr>
+          <p:nvPr>
+            <p:ph type="title"/>
+          </p:nvPr>
+        </p:nvSpPr>
+        <p:spPr/>
+        <p:txBody>
+          <a:bodyPr/>
+          <a:lstStyle/>
+          <a:p>
+            <a:r>
+              <a:rPr lang="en-US" dirty="0" smtClean="0"/>
+              <a:t>Further Investigations (continued)</a:t>
+            </a:r>
+            <a:endParaRPr lang="en-US" dirty="0"/>
+          </a:p>
+        </p:txBody>
+      </p:sp>
+      <p:sp>
+        <p:nvSpPr>
+          <p:cNvPr id="3" name="Content Placeholder 2"/>
+          <p:cNvSpPr>
+            <a:spLocks noGrp="1"/>
+          </p:cNvSpPr>
+          <p:nvPr>
+            <p:ph idx="1"/>
+          </p:nvPr>
+        </p:nvSpPr>
+        <p:spPr>
+          <a:xfrm>
+            <a:off x="381000" y="1828800"/>
+            <a:ext cx="8229600" cy="4724400"/>
+          </a:xfrm>
+        </p:spPr>
+        <p:txBody>
+          <a:bodyPr>
+            <a:normAutofit/>
+          </a:bodyPr>
+          <a:lstStyle/>
+          <a:p>
+            <a:r>
+              <a:rPr lang="en-US" dirty="0" smtClean="0"/>
+              <a:t>Get </a:t>
+            </a:r>
+            <a:r>
+              <a:rPr lang="en-US" dirty="0"/>
+              <a:t>more BAM files</a:t>
+            </a:r>
+          </a:p>
+          <a:p>
+            <a:pPr lvl="1"/>
+            <a:r>
+              <a:rPr lang="en-US" dirty="0"/>
+              <a:t>Training, validation and test sets are stale</a:t>
+            </a:r>
+          </a:p>
+          <a:p>
+            <a:pPr lvl="1"/>
+            <a:r>
+              <a:rPr lang="en-US" dirty="0"/>
+              <a:t>Get BAM files with better coverage for more accurate results, better </a:t>
+            </a:r>
+            <a:r>
+              <a:rPr lang="en-US" dirty="0" smtClean="0"/>
+              <a:t>prediction</a:t>
+            </a:r>
+          </a:p>
+          <a:p>
+            <a:pPr marL="411480" lvl="1" indent="0">
+              <a:buNone/>
+            </a:pPr>
+            <a:endParaRPr lang="en-US" dirty="0" smtClean="0"/>
+          </a:p>
+          <a:p>
+            <a:r>
+              <a:rPr lang="en-US" dirty="0" smtClean="0"/>
+              <a:t>Make a more complex model</a:t>
+            </a:r>
+          </a:p>
+          <a:p>
+            <a:pPr lvl="1"/>
+            <a:r>
+              <a:rPr lang="en-US" dirty="0" smtClean="0"/>
+              <a:t>Synthetic features</a:t>
+            </a:r>
+          </a:p>
+          <a:p>
+            <a:pPr lvl="1"/>
+            <a:r>
+              <a:rPr lang="en-US" dirty="0" smtClean="0"/>
+              <a:t>Feature crosses</a:t>
+            </a:r>
+          </a:p>
+          <a:p>
+            <a:pPr lvl="1"/>
+            <a:r>
+              <a:rPr lang="en-US" dirty="0" smtClean="0"/>
+              <a:t>Neural Nets</a:t>
+            </a:r>
+            <a:endParaRPr lang="en-US" dirty="0"/>
+          </a:p>
+          <a:p>
+            <a:pPr lvl="2"/>
+            <a:r>
+              <a:rPr lang="en-US" dirty="0"/>
+              <a:t>More complex models require additional samples to train, validate and </a:t>
+            </a:r>
+            <a:r>
+              <a:rPr lang="en-US" dirty="0" smtClean="0"/>
+              <a:t>test</a:t>
+            </a:r>
+            <a:endParaRPr lang="en-US" dirty="0"/>
+          </a:p>
+        </p:txBody>
+      </p:sp>
+    </p:spTree>
+    <p:extLst>
+      <p:ext uri="{BB962C8B-B14F-4D97-AF65-F5344CB8AC3E}">
+        <p14:creationId xmlns:p14="http://schemas.microsoft.com/office/powerpoint/2010/main" val="2005276125"/>
+      </p:ext>
+    </p:extLst>
+  </p:cSld>
+  <p:clrMapOvr>
+    <a:masterClrMapping/>
+  </p:clrMapOvr>
+  <p:timing>
+    <p:tnLst>
+      <p:par>
+        <p:cTn id="1" dur="indefinite" restart="never" nodeType="tmRoot"/>
+      </p:par>
+    </p:tnLst>
+  </p:timing>
 </p:sld>
 </file>
 
@@ -8514,8 +10475,8 @@
               <a:t>Python API developed by </a:t>
             </a:r>
             <a:r>
-              <a:rPr lang="en-US" smtClean="0"/>
-              <a:t>Google engineers</a:t>
+              <a:rPr lang="en-US" dirty="0" smtClean="0"/>
+              <a:t>Google</a:t>
             </a:r>
             <a:endParaRPr lang="en-US" dirty="0" smtClean="0"/>
           </a:p>
@@ -8542,8 +10503,21 @@
             <a:pPr lvl="1"/>
             <a:r>
               <a:rPr lang="en-US" dirty="0" smtClean="0"/>
-              <a:t>5 loci high number of BAMs with reads available, good depth at the loci</a:t>
-            </a:r>
+              <a:t>5 </a:t>
+            </a:r>
+            <a:r>
+              <a:rPr lang="en-US" dirty="0" smtClean="0"/>
+              <a:t>loci with </a:t>
+            </a:r>
+            <a:r>
+              <a:rPr lang="en-US" dirty="0" smtClean="0"/>
+              <a:t>high number of BAMs with reads available, good depth at the </a:t>
+            </a:r>
+            <a:r>
+              <a:rPr lang="en-US" dirty="0" smtClean="0"/>
+              <a:t>loci</a:t>
+            </a:r>
+            <a:endParaRPr lang="en-US" dirty="0" smtClean="0"/>
           </a:p>
           <a:p>
             <a:endParaRPr lang="en-US" dirty="0"/>
@@ -8566,6 +10540,13 @@
   <p:clrMapOvr>
     <a:masterClrMapping/>
   </p:clrMapOvr>
+  <p:timing>
+    <p:tnLst>
+      <p:par>
+        <p:cTn id="1" dur="indefinite" restart="never" nodeType="tmRoot"/>
+      </p:par>
+    </p:tnLst>
+  </p:timing>
 </p:sld>
 </file>
 
@@ -8697,6 +10678,13 @@
   <p:clrMapOvr>
     <a:masterClrMapping/>
   </p:clrMapOvr>
+  <p:timing>
+    <p:tnLst>
+      <p:par>
+        <p:cTn id="1" dur="indefinite" restart="never" nodeType="tmRoot"/>
+      </p:par>
+    </p:tnLst>
+  </p:timing>
 </p:sld>
 </file>
 

--- a/MSI Project Presentation.pptx
+++ b/MSI Project Presentation.pptx
@@ -5,7 +5,7 @@
     <p:sldMasterId id="2147483672" r:id="rId1"/>
   </p:sldMasterIdLst>
   <p:notesMasterIdLst>
-    <p:notesMasterId r:id="rId43"/>
+    <p:notesMasterId r:id="rId42"/>
   </p:notesMasterIdLst>
   <p:sldIdLst>
     <p:sldId id="295" r:id="rId2"/>
@@ -44,11 +44,10 @@
     <p:sldId id="292" r:id="rId35"/>
     <p:sldId id="279" r:id="rId36"/>
     <p:sldId id="289" r:id="rId37"/>
-    <p:sldId id="280" r:id="rId38"/>
-    <p:sldId id="281" r:id="rId39"/>
-    <p:sldId id="285" r:id="rId40"/>
-    <p:sldId id="284" r:id="rId41"/>
-    <p:sldId id="282" r:id="rId42"/>
+    <p:sldId id="281" r:id="rId38"/>
+    <p:sldId id="285" r:id="rId39"/>
+    <p:sldId id="284" r:id="rId40"/>
+    <p:sldId id="282" r:id="rId41"/>
   </p:sldIdLst>
   <p:sldSz cx="9144000" cy="6858000" type="screen4x3"/>
   <p:notesSz cx="6858000" cy="9144000"/>
@@ -200,7 +199,6 @@
             <p14:sldId id="292"/>
             <p14:sldId id="279"/>
             <p14:sldId id="289"/>
-            <p14:sldId id="280"/>
             <p14:sldId id="281"/>
             <p14:sldId id="285"/>
             <p14:sldId id="284"/>
@@ -295,7 +293,7 @@
           <a:p>
             <a:fld id="{FD6F384A-A325-46BD-968E-1522ABDB2AC9}" type="datetimeFigureOut">
               <a:rPr lang="en-US" smtClean="0"/>
-              <a:t>8/22/2018</a:t>
+              <a:t>8/23/2018</a:t>
             </a:fld>
             <a:endParaRPr lang="en-US"/>
           </a:p>
@@ -639,7 +637,31 @@
           <a:p>
             <a:r>
               <a:rPr lang="en-US" baseline="0" dirty="0" smtClean="0"/>
-              <a:t>Interactive plot with tooltip to show depth and z-score as well as gene-level depth and z-score for each tile</a:t>
+              <a:t>Interactive plot with tooltip to show </a:t>
+            </a:r>
+          </a:p>
+          <a:p>
+            <a:r>
+              <a:rPr lang="en-US" baseline="0" dirty="0" smtClean="0"/>
+              <a:t>depth and </a:t>
+            </a:r>
+          </a:p>
+          <a:p>
+            <a:r>
+              <a:rPr lang="en-US" baseline="0" dirty="0" smtClean="0"/>
+              <a:t>z-score as well as </a:t>
+            </a:r>
+          </a:p>
+          <a:p>
+            <a:r>
+              <a:rPr lang="en-US" baseline="0" dirty="0" smtClean="0"/>
+              <a:t>gene-level depth and </a:t>
+            </a:r>
+          </a:p>
+          <a:p>
+            <a:r>
+              <a:rPr lang="en-US" baseline="0" dirty="0" smtClean="0"/>
+              <a:t>z-score for each tile</a:t>
             </a:r>
           </a:p>
         </p:txBody>
@@ -750,22 +772,13 @@
           <a:p>
             <a:r>
               <a:rPr lang="en-US" baseline="0" dirty="0" smtClean="0"/>
-              <a:t>Identify </a:t>
-            </a:r>
+              <a:t>Identify flanking regions in reference genome </a:t>
+            </a:r>
+          </a:p>
+          <a:p>
             <a:r>
               <a:rPr lang="en-US" baseline="0" dirty="0" smtClean="0"/>
-              <a:t>flanking regions in reference genome </a:t>
-            </a:r>
-            <a:endParaRPr lang="en-US" baseline="0" dirty="0" smtClean="0"/>
-          </a:p>
-          <a:p>
-            <a:r>
-              <a:rPr lang="en-US" baseline="0" dirty="0" smtClean="0"/>
-              <a:t>then </a:t>
-            </a:r>
-            <a:r>
-              <a:rPr lang="en-US" baseline="0" dirty="0" smtClean="0"/>
-              <a:t>try to find them in reads mapped to the location of interest</a:t>
+              <a:t>then try to find them in reads mapped to the location of interest</a:t>
             </a:r>
           </a:p>
           <a:p>
@@ -902,11 +915,7 @@
             </a:pPr>
             <a:r>
               <a:rPr lang="en-US" baseline="0" dirty="0" smtClean="0"/>
-              <a:t>Allow the flanking region to have no more than 2 mismatched </a:t>
-            </a:r>
-            <a:r>
-              <a:rPr lang="en-US" baseline="0" dirty="0" smtClean="0"/>
-              <a:t>bases to allow for germline mutations in flanking regions</a:t>
+              <a:t>Allow the flanking region to have no more than 2 mismatched bases to allow for germline mutations in flanking regions</a:t>
             </a:r>
           </a:p>
           <a:p>
@@ -925,7 +934,6 @@
               <a:rPr lang="en-US" baseline="0" dirty="0" smtClean="0"/>
               <a:t>Apply a validation filter to the run that is picked out from between flanking regions</a:t>
             </a:r>
-            <a:endParaRPr lang="en-US" baseline="0" dirty="0" smtClean="0"/>
           </a:p>
           <a:p>
             <a:pPr marL="171450" indent="-171450">
@@ -1045,15 +1053,7 @@
             </a:r>
             <a:r>
               <a:rPr lang="en-US" baseline="0" dirty="0" smtClean="0"/>
-              <a:t> up with a way to </a:t>
-            </a:r>
-            <a:r>
-              <a:rPr lang="en-US" baseline="0" dirty="0" smtClean="0"/>
-              <a:t>use the lengths of these runs to </a:t>
-            </a:r>
-            <a:r>
-              <a:rPr lang="en-US" baseline="0" dirty="0" smtClean="0"/>
-              <a:t>correctly decide if a person is stable or if they exhibit instability</a:t>
+              <a:t> up with a way to use the lengths of these runs to correctly decide if a person is stable or if they exhibit instability</a:t>
             </a:r>
           </a:p>
           <a:p>
@@ -1075,32 +1075,16 @@
             </a:br>
             <a:r>
               <a:rPr lang="en-US" baseline="0" dirty="0" smtClean="0"/>
-              <a:t>ACCURACY: How many predictions did the </a:t>
-            </a:r>
+              <a:t>ACCURACY: How many predictions did the method get right, positive or negative?</a:t>
+            </a:r>
+          </a:p>
+          <a:p>
+            <a:endParaRPr lang="en-US" baseline="0" dirty="0" smtClean="0"/>
+          </a:p>
+          <a:p>
             <a:r>
               <a:rPr lang="en-US" baseline="0" dirty="0" smtClean="0"/>
-              <a:t>method get </a:t>
-            </a:r>
-            <a:r>
-              <a:rPr lang="en-US" baseline="0" dirty="0" smtClean="0"/>
-              <a:t>right, positive or negative?</a:t>
-            </a:r>
-          </a:p>
-          <a:p>
-            <a:endParaRPr lang="en-US" baseline="0" dirty="0" smtClean="0"/>
-          </a:p>
-          <a:p>
-            <a:r>
-              <a:rPr lang="en-US" baseline="0" dirty="0" smtClean="0"/>
-              <a:t>SENSITIVE: How many true positives did the </a:t>
-            </a:r>
-            <a:r>
-              <a:rPr lang="en-US" baseline="0" dirty="0" smtClean="0"/>
-              <a:t>method find </a:t>
-            </a:r>
-            <a:r>
-              <a:rPr lang="en-US" baseline="0" dirty="0" smtClean="0"/>
-              <a:t>compared to the total number of positives out there?</a:t>
+              <a:t>SENSITIVE: How many true positives did the method find compared to the total number of positives out there?</a:t>
             </a:r>
           </a:p>
           <a:p>
@@ -1113,15 +1097,7 @@
             </a:br>
             <a:r>
               <a:rPr lang="en-US" baseline="0" dirty="0" smtClean="0"/>
-              <a:t>SPECIFIC: How many true negatives did the </a:t>
-            </a:r>
-            <a:r>
-              <a:rPr lang="en-US" baseline="0" dirty="0" smtClean="0"/>
-              <a:t>method find </a:t>
-            </a:r>
-            <a:r>
-              <a:rPr lang="en-US" baseline="0" dirty="0" smtClean="0"/>
-              <a:t>compared to the total number of negatives out there?</a:t>
+              <a:t>SPECIFIC: How many true negatives did the method find compared to the total number of negatives out there?</a:t>
             </a:r>
           </a:p>
           <a:p>
@@ -1835,21 +1811,12 @@
           <a:p>
             <a:r>
               <a:rPr lang="en-US" dirty="0" smtClean="0"/>
-              <a:t>The </a:t>
-            </a:r>
-            <a:r>
-              <a:rPr lang="en-US" dirty="0" smtClean="0"/>
-              <a:t>features</a:t>
+              <a:t>The features</a:t>
             </a:r>
             <a:r>
               <a:rPr lang="en-US" baseline="0" dirty="0" smtClean="0"/>
-              <a:t> that were used in my model were all gathered from the different run lengths </a:t>
-            </a:r>
-            <a:r>
-              <a:rPr lang="en-US" baseline="0" dirty="0" smtClean="0"/>
-              <a:t>recorded and attempt to quantify the different distributions of lengths of the two statuses </a:t>
-            </a:r>
-            <a:endParaRPr lang="en-US" baseline="0" dirty="0" smtClean="0"/>
+              <a:t> that were used in my model were all gathered from the different run lengths recorded and attempt to quantify the different distributions of lengths of the two statuses </a:t>
+            </a:r>
           </a:p>
           <a:p>
             <a:endParaRPr lang="en-US" baseline="0" dirty="0" smtClean="0"/>
@@ -3963,22 +3930,34 @@
           <a:bodyPr/>
           <a:lstStyle/>
           <a:p>
-            <a:r>
-              <a:rPr lang="en-US" dirty="0" smtClean="0"/>
-              <a:t>Marginally better accuracy, but lose</a:t>
+            <a:pPr marL="228600" indent="-228600">
+              <a:buAutoNum type="arabicPeriod"/>
+            </a:pPr>
+            <a:r>
+              <a:rPr lang="en-US" dirty="0" smtClean="0"/>
+              <a:t>Most succes</a:t>
             </a:r>
             <a:r>
               <a:rPr lang="en-US" baseline="0" dirty="0" smtClean="0"/>
-              <a:t> calls for 2 patients</a:t>
-            </a:r>
-          </a:p>
-          <a:p>
-            <a:endParaRPr lang="en-US" baseline="0" dirty="0" smtClean="0"/>
-          </a:p>
-          <a:p>
+              <a:t>s found using ML on all loci at once</a:t>
+            </a:r>
+          </a:p>
+          <a:p>
+            <a:pPr marL="228600" indent="-228600">
+              <a:buAutoNum type="arabicPeriod"/>
+            </a:pPr>
             <a:r>
               <a:rPr lang="en-US" baseline="0" dirty="0" smtClean="0"/>
-              <a:t>This could work better for sets with more data, helping to decide the two threshold values for making the indeterminate call</a:t>
+              <a:t>AUC is a commonly-used measure of how well the model works</a:t>
+            </a:r>
+          </a:p>
+          <a:p>
+            <a:pPr marL="228600" indent="-228600">
+              <a:buAutoNum type="arabicPeriod"/>
+            </a:pPr>
+            <a:r>
+              <a:rPr lang="en-US" baseline="0" dirty="0" smtClean="0"/>
+              <a:t>82 percent accuracy is low for a clinical test, but seems to be kind of cap given low training, test and validation set sizes</a:t>
             </a:r>
             <a:endParaRPr lang="en-US" dirty="0"/>
           </a:p>
@@ -4010,7 +3989,7 @@
     </p:spTree>
     <p:extLst>
       <p:ext uri="{BB962C8B-B14F-4D97-AF65-F5344CB8AC3E}">
-        <p14:creationId xmlns:p14="http://schemas.microsoft.com/office/powerpoint/2010/main" val="632030006"/>
+        <p14:creationId xmlns:p14="http://schemas.microsoft.com/office/powerpoint/2010/main" val="2277342677"/>
       </p:ext>
     </p:extLst>
   </p:cSld>
@@ -4069,31 +4048,66 @@
             </a:pPr>
             <a:r>
               <a:rPr lang="en-US" dirty="0" smtClean="0"/>
-              <a:t>Most succes</a:t>
+              <a:t>As I mentioned before, there’s a risk of overfitting</a:t>
             </a:r>
             <a:r>
               <a:rPr lang="en-US" baseline="0" dirty="0" smtClean="0"/>
-              <a:t>s found using ML on all loci at once</a:t>
-            </a:r>
-          </a:p>
-          <a:p>
-            <a:pPr marL="228600" indent="-228600">
+              <a:t> to the training data.</a:t>
+            </a:r>
+          </a:p>
+          <a:p>
+            <a:pPr marL="685800" lvl="1" indent="-228600">
               <a:buAutoNum type="arabicPeriod"/>
             </a:pPr>
             <a:r>
               <a:rPr lang="en-US" baseline="0" dirty="0" smtClean="0"/>
-              <a:t>AUC is a commonly-used measure of how well the model works</a:t>
-            </a:r>
-          </a:p>
-          <a:p>
-            <a:pPr marL="228600" indent="-228600">
+              <a:t>Additional BAM files would reveal more ways to improve the model</a:t>
+            </a:r>
+          </a:p>
+          <a:p>
+            <a:pPr marL="228600" lvl="0" indent="-228600">
               <a:buAutoNum type="arabicPeriod"/>
             </a:pPr>
             <a:r>
               <a:rPr lang="en-US" baseline="0" dirty="0" smtClean="0"/>
-              <a:t>82 percent accuracy is low for a clinical test, but seems to be kind of cap given low training, test and validation set sizes</a:t>
-            </a:r>
-            <a:endParaRPr lang="en-US" dirty="0"/>
+              <a:t>The threshold at which to call MSI determines the number of false positives or false negatives</a:t>
+            </a:r>
+          </a:p>
+          <a:p>
+            <a:pPr marL="685800" lvl="1" indent="-228600">
+              <a:buAutoNum type="arabicPeriod"/>
+            </a:pPr>
+            <a:r>
+              <a:rPr lang="en-US" baseline="0" dirty="0" smtClean="0"/>
+              <a:t>More research into the clinical implications of this diagnosis would dictate whether a more conservative or more liberal approach to calling is better</a:t>
+            </a:r>
+          </a:p>
+          <a:p>
+            <a:pPr marL="228600" lvl="0" indent="-228600">
+              <a:buAutoNum type="arabicPeriod"/>
+            </a:pPr>
+            <a:r>
+              <a:rPr lang="en-US" baseline="0" dirty="0" smtClean="0"/>
+              <a:t>Regularization can be very useful in filtering out what features are most informative</a:t>
+            </a:r>
+          </a:p>
+          <a:p>
+            <a:pPr marL="685800" lvl="1" indent="-228600">
+              <a:buAutoNum type="arabicPeriod"/>
+            </a:pPr>
+            <a:r>
+              <a:rPr lang="en-US" baseline="0" dirty="0" smtClean="0"/>
+              <a:t>L1 might be best</a:t>
+            </a:r>
+          </a:p>
+          <a:p>
+            <a:pPr marL="1143000" lvl="2" indent="-228600">
+              <a:buAutoNum type="arabicPeriod"/>
+            </a:pPr>
+            <a:r>
+              <a:rPr lang="en-US" baseline="0" dirty="0" smtClean="0"/>
+              <a:t>Each set of features is an addition to the STAMP selector</a:t>
+            </a:r>
           </a:p>
         </p:txBody>
       </p:sp>
@@ -4123,7 +4137,7 @@
     </p:spTree>
     <p:extLst>
       <p:ext uri="{BB962C8B-B14F-4D97-AF65-F5344CB8AC3E}">
-        <p14:creationId xmlns:p14="http://schemas.microsoft.com/office/powerpoint/2010/main" val="2277342677"/>
+        <p14:creationId xmlns:p14="http://schemas.microsoft.com/office/powerpoint/2010/main" val="2755053369"/>
       </p:ext>
     </p:extLst>
   </p:cSld>
@@ -4182,11 +4196,11 @@
             </a:pPr>
             <a:r>
               <a:rPr lang="en-US" dirty="0" smtClean="0"/>
-              <a:t>As I mentioned before, there’s a risk of overfitting</a:t>
+              <a:t>EMD</a:t>
             </a:r>
             <a:r>
               <a:rPr lang="en-US" baseline="0" dirty="0" smtClean="0"/>
-              <a:t> to the training data.</a:t>
+              <a:t> is a way of comparing the distance between two distributions</a:t>
             </a:r>
           </a:p>
           <a:p>
@@ -4195,8 +4209,14 @@
             </a:pPr>
             <a:r>
               <a:rPr lang="en-US" baseline="0" dirty="0" smtClean="0"/>
-              <a:t>Additional BAM files would reveal more ways to improve the model</a:t>
-            </a:r>
+              <a:t>Could be a useful feature to try out</a:t>
+            </a:r>
+          </a:p>
+          <a:p>
+            <a:pPr marL="457200" lvl="1" indent="0">
+              <a:buNone/>
+            </a:pPr>
+            <a:endParaRPr lang="en-US" baseline="0" dirty="0" smtClean="0"/>
           </a:p>
           <a:p>
             <a:pPr marL="228600" lvl="0" indent="-228600">
@@ -4204,44 +4224,39 @@
             </a:pPr>
             <a:r>
               <a:rPr lang="en-US" baseline="0" dirty="0" smtClean="0"/>
-              <a:t>The threshold at which to call MSI determines the number of false positives or false negatives</a:t>
-            </a:r>
-          </a:p>
-          <a:p>
-            <a:pPr marL="685800" lvl="1" indent="-228600">
-              <a:buAutoNum type="arabicPeriod"/>
-            </a:pPr>
-            <a:r>
-              <a:rPr lang="en-US" baseline="0" dirty="0" smtClean="0"/>
-              <a:t>More research into the clinical implications of this diagnosis would dictate whether a more conservative or more liberal approach to calling is better</a:t>
+              <a:t>Literature has used MSIL and MSIH terminology </a:t>
             </a:r>
           </a:p>
           <a:p>
             <a:pPr marL="228600" lvl="0" indent="-228600">
               <a:buAutoNum type="arabicPeriod"/>
             </a:pPr>
-            <a:r>
-              <a:rPr lang="en-US" baseline="0" dirty="0" smtClean="0"/>
-              <a:t>Regularization can be very useful in filtering out what features are most informative</a:t>
-            </a:r>
-          </a:p>
-          <a:p>
-            <a:pPr marL="685800" lvl="1" indent="-228600">
+            <a:endParaRPr lang="en-US" baseline="0" dirty="0" smtClean="0"/>
+          </a:p>
+          <a:p>
+            <a:pPr marL="228600" lvl="0" indent="-228600">
               <a:buAutoNum type="arabicPeriod"/>
             </a:pPr>
             <a:r>
               <a:rPr lang="en-US" baseline="0" dirty="0" smtClean="0"/>
-              <a:t>L1 might be best</a:t>
-            </a:r>
-          </a:p>
-          <a:p>
-            <a:pPr marL="1143000" lvl="2" indent="-228600">
+              <a:t>More loci = more data, but minimizing number of loci to most important ones might be more practical for targeted sequencing application</a:t>
+            </a:r>
+          </a:p>
+          <a:p>
+            <a:pPr marL="228600" lvl="0" indent="-228600">
               <a:buAutoNum type="arabicPeriod"/>
             </a:pPr>
+            <a:endParaRPr lang="en-US" baseline="0" dirty="0" smtClean="0"/>
+          </a:p>
+          <a:p>
+            <a:pPr marL="228600" lvl="0" indent="-228600">
+              <a:buAutoNum type="arabicPeriod"/>
+            </a:pPr>
             <a:r>
               <a:rPr lang="en-US" baseline="0" dirty="0" smtClean="0"/>
-              <a:t>Each set of features is an addition to the STAMP selector</a:t>
-            </a:r>
+              <a:t>Compare tumor to matched normal samples to detect baseline MSI</a:t>
+            </a:r>
+            <a:endParaRPr lang="en-US" dirty="0"/>
           </a:p>
         </p:txBody>
       </p:sp>
@@ -4271,7 +4286,7 @@
     </p:spTree>
     <p:extLst>
       <p:ext uri="{BB962C8B-B14F-4D97-AF65-F5344CB8AC3E}">
-        <p14:creationId xmlns:p14="http://schemas.microsoft.com/office/powerpoint/2010/main" val="2755053369"/>
+        <p14:creationId xmlns:p14="http://schemas.microsoft.com/office/powerpoint/2010/main" val="2227765870"/>
       </p:ext>
     </p:extLst>
   </p:cSld>
@@ -4330,11 +4345,11 @@
             </a:pPr>
             <a:r>
               <a:rPr lang="en-US" dirty="0" smtClean="0"/>
-              <a:t>EMD</a:t>
+              <a:t>More</a:t>
             </a:r>
             <a:r>
               <a:rPr lang="en-US" baseline="0" dirty="0" smtClean="0"/>
-              <a:t> is a way of comparing the distance between two distributions</a:t>
+              <a:t> complicated machine learning methods might significantly improve the model</a:t>
             </a:r>
           </a:p>
           <a:p>
@@ -4343,22 +4358,7 @@
             </a:pPr>
             <a:r>
               <a:rPr lang="en-US" baseline="0" dirty="0" smtClean="0"/>
-              <a:t>Could be a useful feature to try out</a:t>
-            </a:r>
-          </a:p>
-          <a:p>
-            <a:pPr marL="457200" lvl="1" indent="0">
-              <a:buNone/>
-            </a:pPr>
-            <a:endParaRPr lang="en-US" baseline="0" dirty="0" smtClean="0"/>
-          </a:p>
-          <a:p>
-            <a:pPr marL="228600" lvl="0" indent="-228600">
-              <a:buAutoNum type="arabicPeriod"/>
-            </a:pPr>
-            <a:r>
-              <a:rPr lang="en-US" baseline="0" dirty="0" smtClean="0"/>
-              <a:t>Literature has used MSIL and MSIH terminology </a:t>
+              <a:t>Feature crosses involve multiplying two nonlinear features together to get a linear feature</a:t>
             </a:r>
           </a:p>
           <a:p>
@@ -4373,140 +4373,6 @@
             </a:pPr>
             <a:r>
               <a:rPr lang="en-US" baseline="0" dirty="0" smtClean="0"/>
-              <a:t>More loci = more data, but minimizing number of loci to most important ones might be more practical for targeted sequencing application</a:t>
-            </a:r>
-          </a:p>
-          <a:p>
-            <a:pPr marL="228600" lvl="0" indent="-228600">
-              <a:buAutoNum type="arabicPeriod"/>
-            </a:pPr>
-            <a:endParaRPr lang="en-US" baseline="0" dirty="0" smtClean="0"/>
-          </a:p>
-          <a:p>
-            <a:pPr marL="228600" lvl="0" indent="-228600">
-              <a:buAutoNum type="arabicPeriod"/>
-            </a:pPr>
-            <a:r>
-              <a:rPr lang="en-US" baseline="0" dirty="0" smtClean="0"/>
-              <a:t>Compare tumor to matched normal samples to detect baseline MSI</a:t>
-            </a:r>
-            <a:endParaRPr lang="en-US" dirty="0"/>
-          </a:p>
-        </p:txBody>
-      </p:sp>
-      <p:sp>
-        <p:nvSpPr>
-          <p:cNvPr id="4" name="Slide Number Placeholder 3"/>
-          <p:cNvSpPr>
-            <a:spLocks noGrp="1"/>
-          </p:cNvSpPr>
-          <p:nvPr>
-            <p:ph type="sldNum" sz="quarter" idx="10"/>
-          </p:nvPr>
-        </p:nvSpPr>
-        <p:spPr/>
-        <p:txBody>
-          <a:bodyPr/>
-          <a:lstStyle/>
-          <a:p>
-            <a:fld id="{C541DAFB-631B-41DC-AC70-6E7DF64EB76B}" type="slidenum">
-              <a:rPr lang="en-US" smtClean="0"/>
-              <a:t>40</a:t>
-            </a:fld>
-            <a:endParaRPr lang="en-US"/>
-          </a:p>
-        </p:txBody>
-      </p:sp>
-    </p:spTree>
-    <p:extLst>
-      <p:ext uri="{BB962C8B-B14F-4D97-AF65-F5344CB8AC3E}">
-        <p14:creationId xmlns:p14="http://schemas.microsoft.com/office/powerpoint/2010/main" val="2227765870"/>
-      </p:ext>
-    </p:extLst>
-  </p:cSld>
-  <p:clrMapOvr>
-    <a:masterClrMapping/>
-  </p:clrMapOvr>
-</p:notes>
-</file>
-
-<file path=ppt/notesSlides/notesSlide39.xml><?xml version="1.0" encoding="utf-8"?>
-<p:notes xmlns:a="http://schemas.openxmlformats.org/drawingml/2006/main" xmlns:r="http://schemas.openxmlformats.org/officeDocument/2006/relationships" xmlns:p="http://schemas.openxmlformats.org/presentationml/2006/main">
-  <p:cSld>
-    <p:spTree>
-      <p:nvGrpSpPr>
-        <p:cNvPr id="1" name=""/>
-        <p:cNvGrpSpPr/>
-        <p:nvPr/>
-      </p:nvGrpSpPr>
-      <p:grpSpPr>
-        <a:xfrm>
-          <a:off x="0" y="0"/>
-          <a:ext cx="0" cy="0"/>
-          <a:chOff x="0" y="0"/>
-          <a:chExt cx="0" cy="0"/>
-        </a:xfrm>
-      </p:grpSpPr>
-      <p:sp>
-        <p:nvSpPr>
-          <p:cNvPr id="2" name="Slide Image Placeholder 1"/>
-          <p:cNvSpPr>
-            <a:spLocks noGrp="1" noRot="1" noChangeAspect="1"/>
-          </p:cNvSpPr>
-          <p:nvPr>
-            <p:ph type="sldImg"/>
-          </p:nvPr>
-        </p:nvSpPr>
-        <p:spPr/>
-      </p:sp>
-      <p:sp>
-        <p:nvSpPr>
-          <p:cNvPr id="3" name="Notes Placeholder 2"/>
-          <p:cNvSpPr>
-            <a:spLocks noGrp="1"/>
-          </p:cNvSpPr>
-          <p:nvPr>
-            <p:ph type="body" idx="1"/>
-          </p:nvPr>
-        </p:nvSpPr>
-        <p:spPr/>
-        <p:txBody>
-          <a:bodyPr/>
-          <a:lstStyle/>
-          <a:p>
-            <a:pPr marL="228600" indent="-228600">
-              <a:buAutoNum type="arabicPeriod"/>
-            </a:pPr>
-            <a:r>
-              <a:rPr lang="en-US" dirty="0" smtClean="0"/>
-              <a:t>More</a:t>
-            </a:r>
-            <a:r>
-              <a:rPr lang="en-US" baseline="0" dirty="0" smtClean="0"/>
-              <a:t> complicated machine learning methods might significantly improve the model</a:t>
-            </a:r>
-          </a:p>
-          <a:p>
-            <a:pPr marL="685800" lvl="1" indent="-228600">
-              <a:buAutoNum type="arabicPeriod"/>
-            </a:pPr>
-            <a:r>
-              <a:rPr lang="en-US" baseline="0" dirty="0" smtClean="0"/>
-              <a:t>Feature crosses involve multiplying two nonlinear features together to get a linear feature</a:t>
-            </a:r>
-          </a:p>
-          <a:p>
-            <a:pPr marL="228600" lvl="0" indent="-228600">
-              <a:buAutoNum type="arabicPeriod"/>
-            </a:pPr>
-            <a:endParaRPr lang="en-US" baseline="0" dirty="0" smtClean="0"/>
-          </a:p>
-          <a:p>
-            <a:pPr marL="228600" lvl="0" indent="-228600">
-              <a:buAutoNum type="arabicPeriod"/>
-            </a:pPr>
-            <a:r>
-              <a:rPr lang="en-US" baseline="0" dirty="0" smtClean="0"/>
               <a:t>Neural nets</a:t>
             </a:r>
           </a:p>
@@ -4559,7 +4425,7 @@
           <a:p>
             <a:fld id="{C541DAFB-631B-41DC-AC70-6E7DF64EB76B}" type="slidenum">
               <a:rPr lang="en-US" smtClean="0"/>
-              <a:t>41</a:t>
+              <a:t>40</a:t>
             </a:fld>
             <a:endParaRPr lang="en-US"/>
           </a:p>
@@ -5154,31 +5020,21 @@
             </a:r>
             <a:r>
               <a:rPr lang="en-US" baseline="0" dirty="0" smtClean="0"/>
-              <a:t> first step to classifying microsatellite instability is finding single nucleotide </a:t>
+              <a:t> first step to classifying microsatellite instability is finding single nucleotide runs and figuring out how long they are on a patient-by-patient basis</a:t>
+            </a:r>
+          </a:p>
+          <a:p>
+            <a:endParaRPr lang="en-US" baseline="0" dirty="0" smtClean="0"/>
+          </a:p>
+          <a:p>
+            <a:r>
+              <a:rPr lang="en-US" dirty="0" smtClean="0"/>
+              <a:t>27 loci Henning established</a:t>
             </a:r>
             <a:r>
               <a:rPr lang="en-US" baseline="0" dirty="0" smtClean="0"/>
-              <a:t>runs and figuring out how long they are on a patient-by-patient basis</a:t>
-            </a:r>
-            <a:endParaRPr lang="en-US" baseline="0" dirty="0" smtClean="0"/>
-          </a:p>
-          <a:p>
-            <a:endParaRPr lang="en-US" baseline="0" dirty="0" smtClean="0"/>
-          </a:p>
-          <a:p>
-            <a:r>
-              <a:rPr lang="en-US" dirty="0" smtClean="0"/>
-              <a:t>27 loci Henning established</a:t>
-            </a:r>
-            <a:r>
-              <a:rPr lang="en-US" baseline="0" dirty="0" smtClean="0"/>
-              <a:t> </a:t>
-            </a:r>
-            <a:r>
-              <a:rPr lang="en-US" baseline="0" dirty="0" smtClean="0"/>
-              <a:t>from literature, fine tuning the start and end coordinates based on human genome 38 </a:t>
-            </a:r>
-            <a:endParaRPr lang="en-US" baseline="0" dirty="0" smtClean="0"/>
+              <a:t> from literature, fine tuning the start and end coordinates based on human genome 38 </a:t>
+            </a:r>
           </a:p>
           <a:p>
             <a:endParaRPr lang="en-US" baseline="0" dirty="0" smtClean="0"/>
@@ -5424,7 +5280,7 @@
           <a:p>
             <a:fld id="{A7D88E35-D473-411B-B8EF-7CCA10B7BE9E}" type="datetimeFigureOut">
               <a:rPr lang="en-US" smtClean="0"/>
-              <a:t>8/22/2018</a:t>
+              <a:t>8/23/2018</a:t>
             </a:fld>
             <a:endParaRPr lang="en-US"/>
           </a:p>
@@ -5631,7 +5487,7 @@
           <a:p>
             <a:fld id="{A7D88E35-D473-411B-B8EF-7CCA10B7BE9E}" type="datetimeFigureOut">
               <a:rPr lang="en-US" smtClean="0"/>
-              <a:t>8/22/2018</a:t>
+              <a:t>8/23/2018</a:t>
             </a:fld>
             <a:endParaRPr lang="en-US"/>
           </a:p>
@@ -5806,7 +5662,7 @@
           <a:p>
             <a:fld id="{A7D88E35-D473-411B-B8EF-7CCA10B7BE9E}" type="datetimeFigureOut">
               <a:rPr lang="en-US" smtClean="0"/>
-              <a:t>8/22/2018</a:t>
+              <a:t>8/23/2018</a:t>
             </a:fld>
             <a:endParaRPr lang="en-US"/>
           </a:p>
@@ -5971,7 +5827,7 @@
           <a:p>
             <a:fld id="{A7D88E35-D473-411B-B8EF-7CCA10B7BE9E}" type="datetimeFigureOut">
               <a:rPr lang="en-US" smtClean="0"/>
-              <a:t>8/22/2018</a:t>
+              <a:t>8/23/2018</a:t>
             </a:fld>
             <a:endParaRPr lang="en-US"/>
           </a:p>
@@ -6226,7 +6082,7 @@
           <a:p>
             <a:fld id="{A7D88E35-D473-411B-B8EF-7CCA10B7BE9E}" type="datetimeFigureOut">
               <a:rPr lang="en-US" smtClean="0"/>
-              <a:t>8/22/2018</a:t>
+              <a:t>8/23/2018</a:t>
             </a:fld>
             <a:endParaRPr lang="en-US"/>
           </a:p>
@@ -6551,7 +6407,7 @@
           <a:p>
             <a:fld id="{A7D88E35-D473-411B-B8EF-7CCA10B7BE9E}" type="datetimeFigureOut">
               <a:rPr lang="en-US" smtClean="0"/>
-              <a:t>8/22/2018</a:t>
+              <a:t>8/23/2018</a:t>
             </a:fld>
             <a:endParaRPr lang="en-US"/>
           </a:p>
@@ -7024,7 +6880,7 @@
           <a:p>
             <a:fld id="{150972B2-CA5C-437D-87D0-8081271A9E4B}" type="datetime2">
               <a:rPr lang="en-US" smtClean="0"/>
-              <a:t>Wednesday, August 22, 2018</a:t>
+              <a:t>Thursday, August 23, 2018</a:t>
             </a:fld>
             <a:endParaRPr lang="en-US"/>
           </a:p>
@@ -7173,7 +7029,7 @@
           <a:p>
             <a:fld id="{A7D88E35-D473-411B-B8EF-7CCA10B7BE9E}" type="datetimeFigureOut">
               <a:rPr lang="en-US" smtClean="0"/>
-              <a:t>8/22/2018</a:t>
+              <a:t>8/23/2018</a:t>
             </a:fld>
             <a:endParaRPr lang="en-US"/>
           </a:p>
@@ -7263,7 +7119,7 @@
           <a:p>
             <a:fld id="{A7D88E35-D473-411B-B8EF-7CCA10B7BE9E}" type="datetimeFigureOut">
               <a:rPr lang="en-US" smtClean="0"/>
-              <a:t>8/22/2018</a:t>
+              <a:t>8/23/2018</a:t>
             </a:fld>
             <a:endParaRPr lang="en-US"/>
           </a:p>
@@ -7537,7 +7393,7 @@
           <a:p>
             <a:fld id="{A7D88E35-D473-411B-B8EF-7CCA10B7BE9E}" type="datetimeFigureOut">
               <a:rPr lang="en-US" smtClean="0"/>
-              <a:t>8/22/2018</a:t>
+              <a:t>8/23/2018</a:t>
             </a:fld>
             <a:endParaRPr lang="en-US"/>
           </a:p>
@@ -7842,7 +7698,7 @@
           <a:p>
             <a:fld id="{A7D88E35-D473-411B-B8EF-7CCA10B7BE9E}" type="datetimeFigureOut">
               <a:rPr lang="en-US" smtClean="0"/>
-              <a:t>8/22/2018</a:t>
+              <a:t>8/23/2018</a:t>
             </a:fld>
             <a:endParaRPr lang="en-US"/>
           </a:p>
@@ -8140,7 +7996,7 @@
           <a:p>
             <a:fld id="{A80CB818-7379-467D-8E76-EF9D9074A26C}" type="datetime2">
               <a:rPr lang="en-US" smtClean="0"/>
-              <a:t>Wednesday, August 22, 2018</a:t>
+              <a:t>Thursday, August 23, 2018</a:t>
             </a:fld>
             <a:endParaRPr lang="en-US" dirty="0"/>
           </a:p>
@@ -9034,11 +8890,7 @@
           <a:p>
             <a:r>
               <a:rPr lang="en-US" dirty="0" smtClean="0"/>
-              <a:t>Flanking </a:t>
-            </a:r>
-            <a:r>
-              <a:rPr lang="en-US" dirty="0" smtClean="0"/>
-              <a:t>regions</a:t>
+              <a:t>Flanking regions</a:t>
             </a:r>
           </a:p>
           <a:p>
@@ -9051,7 +8903,6 @@
               <a:rPr lang="en-US" dirty="0" smtClean="0"/>
               <a:t>repeat</a:t>
             </a:r>
-            <a:endParaRPr lang="en-US" dirty="0" smtClean="0"/>
           </a:p>
           <a:p>
             <a:pPr lvl="1"/>
@@ -9064,25 +8915,15 @@
             <a:pPr lvl="2"/>
             <a:r>
               <a:rPr lang="en-US" dirty="0" smtClean="0"/>
-              <a:t>Long enough to be unique, </a:t>
-            </a:r>
-            <a:r>
-              <a:rPr lang="en-US" dirty="0" smtClean="0"/>
-              <a:t>identifiable in individual reads</a:t>
-            </a:r>
-            <a:endParaRPr lang="en-US" dirty="0" smtClean="0"/>
+              <a:t>Long enough to be unique, identifiable in individual reads</a:t>
+            </a:r>
           </a:p>
           <a:p>
             <a:pPr lvl="2"/>
             <a:r>
               <a:rPr lang="en-US" dirty="0" smtClean="0"/>
-              <a:t>Short enough to maximize usable </a:t>
-            </a:r>
-            <a:r>
-              <a:rPr lang="en-US" dirty="0" smtClean="0"/>
-              <a:t>reads</a:t>
-            </a:r>
-            <a:endParaRPr lang="en-US" dirty="0" smtClean="0"/>
+              <a:t>Short enough to maximize usable reads</a:t>
+            </a:r>
           </a:p>
         </p:txBody>
       </p:sp>
@@ -9604,13 +9445,8 @@
             <a:pPr lvl="1"/>
             <a:r>
               <a:rPr lang="en-US" dirty="0" smtClean="0"/>
-              <a:t>Brute-force </a:t>
-            </a:r>
-            <a:r>
-              <a:rPr lang="en-US" dirty="0" smtClean="0"/>
-              <a:t>partial string matching </a:t>
-            </a:r>
-            <a:endParaRPr lang="en-US" dirty="0" smtClean="0"/>
+              <a:t>Brute-force partial string matching </a:t>
+            </a:r>
           </a:p>
           <a:p>
             <a:pPr lvl="2"/>
@@ -9903,31 +9739,17 @@
               <a:rPr lang="en-US" dirty="0" smtClean="0"/>
               <a:t>MSI or MSS</a:t>
             </a:r>
-            <a:endParaRPr lang="en-US" dirty="0" smtClean="0"/>
           </a:p>
           <a:p>
             <a:r>
               <a:rPr lang="en-US" dirty="0" smtClean="0"/>
               <a:t>Apply function to a data point to calculate its score</a:t>
             </a:r>
-            <a:endParaRPr lang="en-US" dirty="0" smtClean="0"/>
-          </a:p>
-          <a:p>
-            <a:r>
-              <a:rPr lang="en-US" dirty="0" smtClean="0"/>
-              <a:t>Apply </a:t>
-            </a:r>
-            <a:r>
-              <a:rPr lang="en-US" dirty="0" smtClean="0"/>
-              <a:t>sigmoid </a:t>
-            </a:r>
-            <a:r>
-              <a:rPr lang="en-US" dirty="0" smtClean="0"/>
-              <a:t>function to </a:t>
-            </a:r>
-            <a:r>
-              <a:rPr lang="en-US" dirty="0" smtClean="0"/>
-              <a:t>calculate p(MSI)</a:t>
+          </a:p>
+          <a:p>
+            <a:r>
+              <a:rPr lang="en-US" dirty="0" smtClean="0"/>
+              <a:t>Apply sigmoid function to calculate p(MSI)</a:t>
             </a:r>
           </a:p>
           <a:p>
@@ -10990,7 +10812,6 @@
               <a:rPr lang="en-US" dirty="0" smtClean="0"/>
               <a:t>Simplification</a:t>
             </a:r>
-            <a:endParaRPr lang="en-US" dirty="0" smtClean="0"/>
           </a:p>
           <a:p>
             <a:pPr lvl="1"/>
@@ -15451,7 +15272,7 @@
           <a:p>
             <a:r>
               <a:rPr lang="en-US" dirty="0" smtClean="0"/>
-              <a:t>Machine Learning v2 – Test Set</a:t>
+              <a:t>Summary</a:t>
             </a:r>
             <a:endParaRPr lang="en-US" dirty="0"/>
           </a:p>
@@ -15470,581 +15291,73 @@
         <p:spPr>
           <a:xfrm>
             <a:off x="381000" y="1676400"/>
-            <a:ext cx="4114800" cy="5181600"/>
+            <a:ext cx="8534400" cy="4325112"/>
           </a:xfrm>
         </p:spPr>
         <p:txBody>
           <a:bodyPr>
-            <a:normAutofit fontScale="70000" lnSpcReduction="20000"/>
+            <a:normAutofit/>
           </a:bodyPr>
           <a:lstStyle/>
           <a:p>
             <a:r>
-              <a:rPr lang="pt-BR" dirty="0"/>
-              <a:t>Loci examined</a:t>
+              <a:rPr lang="en-US" dirty="0" smtClean="0"/>
+              <a:t>Best AUC </a:t>
+            </a:r>
+            <a:r>
+              <a:rPr lang="en-US" dirty="0"/>
+              <a:t>of </a:t>
+            </a:r>
+            <a:r>
+              <a:rPr lang="en-US" dirty="0" smtClean="0"/>
+              <a:t>≈90%</a:t>
             </a:r>
           </a:p>
           <a:p>
             <a:pPr lvl="1"/>
             <a:r>
-              <a:rPr lang="pt-BR" dirty="0"/>
-              <a:t>MSI-11 </a:t>
+              <a:rPr lang="en-US" dirty="0" smtClean="0"/>
+              <a:t>Measures the predictive ability of the model</a:t>
+            </a:r>
+          </a:p>
+          <a:p>
+            <a:endParaRPr lang="en-US" dirty="0"/>
+          </a:p>
+          <a:p>
+            <a:r>
+              <a:rPr lang="en-US" dirty="0" smtClean="0"/>
+              <a:t>Maximum accuracy of ≈82% on test set</a:t>
+            </a:r>
+          </a:p>
+          <a:p>
+            <a:pPr marL="274320" lvl="1" indent="0">
+              <a:buNone/>
+            </a:pPr>
+            <a:endParaRPr lang="en-US" dirty="0"/>
+          </a:p>
+          <a:p>
+            <a:r>
+              <a:rPr lang="en-US" dirty="0" smtClean="0"/>
+              <a:t>Machine learning using all loci and all features is likely the best option</a:t>
             </a:r>
           </a:p>
           <a:p>
             <a:pPr lvl="1"/>
             <a:r>
-              <a:rPr lang="pt-BR" dirty="0"/>
-              <a:t>MSI-14 </a:t>
-            </a:r>
-          </a:p>
-          <a:p>
-            <a:pPr lvl="1"/>
-            <a:r>
-              <a:rPr lang="pt-BR" dirty="0"/>
-              <a:t>H-10 </a:t>
-            </a:r>
-          </a:p>
-          <a:p>
-            <a:pPr lvl="1"/>
-            <a:r>
-              <a:rPr lang="pt-BR" dirty="0"/>
-              <a:t>HSPH1-T17 </a:t>
-            </a:r>
-          </a:p>
-          <a:p>
-            <a:pPr lvl="1"/>
-            <a:r>
-              <a:rPr lang="pt-BR" dirty="0"/>
-              <a:t>BAT-26 </a:t>
-            </a:r>
-          </a:p>
-          <a:p>
-            <a:pPr lvl="1"/>
-            <a:r>
-              <a:rPr lang="pt-BR" dirty="0"/>
-              <a:t>BAT-25 </a:t>
-            </a:r>
-          </a:p>
-          <a:p>
-            <a:pPr lvl="1"/>
-            <a:r>
-              <a:rPr lang="pt-BR" dirty="0"/>
-              <a:t>MSI-04 </a:t>
-            </a:r>
-          </a:p>
-          <a:p>
-            <a:pPr lvl="1"/>
-            <a:r>
-              <a:rPr lang="pt-BR" dirty="0"/>
-              <a:t>MSI-06 </a:t>
-            </a:r>
-          </a:p>
-          <a:p>
-            <a:pPr lvl="1"/>
-            <a:r>
-              <a:rPr lang="pt-BR" dirty="0"/>
-              <a:t>MSI-07 </a:t>
-            </a:r>
-          </a:p>
-          <a:p>
-            <a:pPr lvl="1"/>
-            <a:r>
-              <a:rPr lang="pt-BR" dirty="0"/>
-              <a:t>MSI-01 </a:t>
-            </a:r>
-          </a:p>
-          <a:p>
-            <a:pPr lvl="1"/>
-            <a:r>
-              <a:rPr lang="pt-BR" dirty="0"/>
-              <a:t>MSI-03 </a:t>
-            </a:r>
-          </a:p>
-          <a:p>
-            <a:pPr lvl="1"/>
-            <a:r>
-              <a:rPr lang="pt-BR" dirty="0"/>
-              <a:t>MSI-09 </a:t>
-            </a:r>
-          </a:p>
-          <a:p>
-            <a:pPr lvl="1"/>
-            <a:r>
-              <a:rPr lang="pt-BR" dirty="0"/>
-              <a:t>H-09 </a:t>
-            </a:r>
-          </a:p>
-          <a:p>
-            <a:pPr lvl="1"/>
-            <a:r>
-              <a:rPr lang="pt-BR" dirty="0"/>
-              <a:t>H-08 </a:t>
-            </a:r>
-          </a:p>
-          <a:p>
-            <a:pPr lvl="1"/>
-            <a:r>
-              <a:rPr lang="pt-BR" dirty="0"/>
-              <a:t>H-01 </a:t>
-            </a:r>
-          </a:p>
-          <a:p>
-            <a:pPr lvl="1"/>
-            <a:r>
-              <a:rPr lang="pt-BR" dirty="0"/>
-              <a:t>H-03 </a:t>
-            </a:r>
-          </a:p>
-          <a:p>
-            <a:pPr lvl="1"/>
-            <a:r>
-              <a:rPr lang="pt-BR" dirty="0"/>
-              <a:t>H-02 </a:t>
-            </a:r>
-          </a:p>
-          <a:p>
-            <a:pPr lvl="1"/>
-            <a:r>
-              <a:rPr lang="pt-BR" dirty="0"/>
-              <a:t>H-04 </a:t>
-            </a:r>
-          </a:p>
-          <a:p>
-            <a:pPr lvl="1"/>
-            <a:r>
-              <a:rPr lang="pt-BR" dirty="0"/>
-              <a:t>H-07 </a:t>
-            </a:r>
-          </a:p>
-          <a:p>
-            <a:pPr lvl="1"/>
-            <a:r>
-              <a:rPr lang="pt-BR" dirty="0"/>
-              <a:t>H-06 </a:t>
-            </a:r>
-          </a:p>
-          <a:p>
-            <a:pPr lvl="1"/>
-            <a:r>
-              <a:rPr lang="pt-BR" dirty="0"/>
-              <a:t>H-05</a:t>
-            </a:r>
-          </a:p>
-          <a:p>
+              <a:rPr lang="en-US" dirty="0" smtClean="0"/>
+              <a:t>More samples with better depth to train on </a:t>
+            </a:r>
             <a:endParaRPr lang="en-US" dirty="0"/>
           </a:p>
-        </p:txBody>
-      </p:sp>
-      <p:sp>
-        <p:nvSpPr>
-          <p:cNvPr id="5" name="Content Placeholder 2"/>
-          <p:cNvSpPr txBox="1">
-            <a:spLocks/>
-          </p:cNvSpPr>
-          <p:nvPr/>
-        </p:nvSpPr>
-        <p:spPr>
-          <a:xfrm>
-            <a:off x="3200400" y="1676400"/>
-            <a:ext cx="5334000" cy="5029200"/>
-          </a:xfrm>
-          <a:prstGeom prst="rect">
-            <a:avLst/>
-          </a:prstGeom>
-        </p:spPr>
-        <p:txBody>
-          <a:bodyPr vert="horz">
-            <a:normAutofit fontScale="92500" lnSpcReduction="20000"/>
-          </a:bodyPr>
-          <a:lstStyle>
-            <a:lvl1pPr marL="365760" indent="-256032" algn="l" rtl="0" eaLnBrk="1" latinLnBrk="0" hangingPunct="1">
-              <a:spcBef>
-                <a:spcPts val="300"/>
-              </a:spcBef>
-              <a:buClr>
-                <a:schemeClr val="accent3"/>
-              </a:buClr>
-              <a:buFont typeface="Wingdings" panose="05000000000000000000" pitchFamily="2" charset="2"/>
-              <a:buChar char="§"/>
-              <a:defRPr kumimoji="0" sz="2800" kern="1200">
-                <a:solidFill>
-                  <a:schemeClr val="tx1"/>
-                </a:solidFill>
-                <a:latin typeface="+mn-lt"/>
-                <a:ea typeface="+mn-ea"/>
-                <a:cs typeface="+mn-cs"/>
-              </a:defRPr>
-            </a:lvl1pPr>
-            <a:lvl2pPr marL="754380" indent="-342900" algn="l" rtl="0" eaLnBrk="1" latinLnBrk="0" hangingPunct="1">
-              <a:spcBef>
-                <a:spcPts val="300"/>
-              </a:spcBef>
-              <a:buClr>
-                <a:schemeClr val="accent1"/>
-              </a:buClr>
-              <a:buFont typeface="Arial" panose="020B0604020202020204" pitchFamily="34" charset="0"/>
-              <a:buChar char="•"/>
-              <a:defRPr kumimoji="0" sz="2400" kern="1200">
-                <a:solidFill>
-                  <a:schemeClr val="accent5"/>
-                </a:solidFill>
-                <a:latin typeface="+mn-lt"/>
-                <a:ea typeface="+mn-ea"/>
-                <a:cs typeface="+mn-cs"/>
-              </a:defRPr>
-            </a:lvl2pPr>
-            <a:lvl3pPr marL="923544" indent="-219456" algn="l" rtl="0" eaLnBrk="1" latinLnBrk="0" hangingPunct="1">
-              <a:spcBef>
-                <a:spcPts val="300"/>
-              </a:spcBef>
-              <a:buClr>
-                <a:schemeClr val="accent1"/>
-              </a:buClr>
-              <a:buFont typeface="Wingdings 2"/>
-              <a:buChar char=""/>
-              <a:defRPr kumimoji="0" sz="2000" kern="1200">
-                <a:solidFill>
-                  <a:schemeClr val="bg1">
-                    <a:lumMod val="50000"/>
-                  </a:schemeClr>
-                </a:solidFill>
-                <a:latin typeface="+mn-lt"/>
-                <a:ea typeface="+mn-ea"/>
-                <a:cs typeface="+mn-cs"/>
-              </a:defRPr>
-            </a:lvl3pPr>
-            <a:lvl4pPr marL="1179576" indent="-201168" algn="l" rtl="0" eaLnBrk="1" latinLnBrk="0" hangingPunct="1">
-              <a:spcBef>
-                <a:spcPts val="300"/>
-              </a:spcBef>
-              <a:buClr>
-                <a:schemeClr val="accent1"/>
-              </a:buClr>
-              <a:buFont typeface="Wingdings 2"/>
-              <a:buChar char=""/>
-              <a:defRPr kumimoji="0" sz="2000" kern="1200">
-                <a:solidFill>
-                  <a:schemeClr val="bg1">
-                    <a:lumMod val="50000"/>
-                  </a:schemeClr>
-                </a:solidFill>
-                <a:latin typeface="+mn-lt"/>
-                <a:ea typeface="+mn-ea"/>
-                <a:cs typeface="+mn-cs"/>
-              </a:defRPr>
-            </a:lvl4pPr>
-            <a:lvl5pPr marL="1389888" indent="-182880" algn="l" rtl="0" eaLnBrk="1" latinLnBrk="0" hangingPunct="1">
-              <a:spcBef>
-                <a:spcPts val="300"/>
-              </a:spcBef>
-              <a:buClr>
-                <a:schemeClr val="accent3"/>
-              </a:buClr>
-              <a:buFont typeface="Georgia"/>
-              <a:buChar char="▫"/>
-              <a:defRPr kumimoji="0" sz="1800" kern="1200">
-                <a:solidFill>
-                  <a:schemeClr val="bg1">
-                    <a:lumMod val="50000"/>
-                  </a:schemeClr>
-                </a:solidFill>
-                <a:latin typeface="+mn-lt"/>
-                <a:ea typeface="+mn-ea"/>
-                <a:cs typeface="+mn-cs"/>
-              </a:defRPr>
-            </a:lvl5pPr>
-            <a:lvl6pPr marL="1609344" indent="-182880" algn="l" rtl="0" eaLnBrk="1" latinLnBrk="0" hangingPunct="1">
-              <a:spcBef>
-                <a:spcPts val="300"/>
-              </a:spcBef>
-              <a:buClr>
-                <a:schemeClr val="accent3"/>
-              </a:buClr>
-              <a:buFont typeface="Georgia"/>
-              <a:buChar char="▫"/>
-              <a:defRPr kumimoji="0" sz="1800" kern="1200">
-                <a:solidFill>
-                  <a:schemeClr val="accent3"/>
-                </a:solidFill>
-                <a:latin typeface="+mn-lt"/>
-                <a:ea typeface="+mn-ea"/>
-                <a:cs typeface="+mn-cs"/>
-              </a:defRPr>
-            </a:lvl6pPr>
-            <a:lvl7pPr marL="1828800" indent="-182880" algn="l" rtl="0" eaLnBrk="1" latinLnBrk="0" hangingPunct="1">
-              <a:spcBef>
-                <a:spcPts val="300"/>
-              </a:spcBef>
-              <a:buClr>
-                <a:schemeClr val="accent3"/>
-              </a:buClr>
-              <a:buFont typeface="Georgia"/>
-              <a:buChar char="▫"/>
-              <a:defRPr kumimoji="0" sz="1600" kern="1200">
-                <a:solidFill>
-                  <a:schemeClr val="accent3"/>
-                </a:solidFill>
-                <a:latin typeface="+mn-lt"/>
-                <a:ea typeface="+mn-ea"/>
-                <a:cs typeface="+mn-cs"/>
-              </a:defRPr>
-            </a:lvl7pPr>
-            <a:lvl8pPr marL="2029968" indent="-182880" algn="l" rtl="0" eaLnBrk="1" latinLnBrk="0" hangingPunct="1">
-              <a:spcBef>
-                <a:spcPts val="300"/>
-              </a:spcBef>
-              <a:buClr>
-                <a:schemeClr val="accent3"/>
-              </a:buClr>
-              <a:buFont typeface="Georgia"/>
-              <a:buChar char="◦"/>
-              <a:defRPr kumimoji="0" sz="1500" kern="1200">
-                <a:solidFill>
-                  <a:schemeClr val="accent3"/>
-                </a:solidFill>
-                <a:latin typeface="+mn-lt"/>
-                <a:ea typeface="+mn-ea"/>
-                <a:cs typeface="+mn-cs"/>
-              </a:defRPr>
-            </a:lvl8pPr>
-            <a:lvl9pPr marL="2240280" indent="-182880" algn="l" rtl="0" eaLnBrk="1" latinLnBrk="0" hangingPunct="1">
-              <a:spcBef>
-                <a:spcPts val="300"/>
-              </a:spcBef>
-              <a:buClr>
-                <a:schemeClr val="accent3"/>
-              </a:buClr>
-              <a:buFont typeface="Georgia"/>
-              <a:buChar char="◦"/>
-              <a:defRPr kumimoji="0" sz="1400" kern="1200" baseline="0">
-                <a:solidFill>
-                  <a:schemeClr val="accent3"/>
-                </a:solidFill>
-                <a:latin typeface="+mn-lt"/>
-                <a:ea typeface="+mn-ea"/>
-                <a:cs typeface="+mn-cs"/>
-              </a:defRPr>
-            </a:lvl9pPr>
-          </a:lstStyle>
-          <a:p>
-            <a:r>
-              <a:rPr lang="en-US" dirty="0">
-                <a:latin typeface="Calibri Light" panose="020F0302020204030204" pitchFamily="34" charset="0"/>
-              </a:rPr>
-              <a:t>Upper threshold: 0.550000</a:t>
-            </a:r>
-          </a:p>
-          <a:p>
-            <a:r>
-              <a:rPr lang="en-US" dirty="0">
-                <a:latin typeface="Calibri Light" panose="020F0302020204030204" pitchFamily="34" charset="0"/>
-              </a:rPr>
-              <a:t>Lower threshold: </a:t>
-            </a:r>
-            <a:r>
-              <a:rPr lang="en-US" dirty="0" smtClean="0">
-                <a:latin typeface="Calibri Light" panose="020F0302020204030204" pitchFamily="34" charset="0"/>
-              </a:rPr>
-              <a:t>0.450000</a:t>
-            </a:r>
-          </a:p>
-          <a:p>
-            <a:r>
-              <a:rPr lang="en-US" dirty="0" smtClean="0">
-                <a:latin typeface="Calibri Light" panose="020F0302020204030204" pitchFamily="34" charset="0"/>
-              </a:rPr>
-              <a:t>Total </a:t>
-            </a:r>
-            <a:r>
-              <a:rPr lang="en-US" dirty="0">
-                <a:latin typeface="Calibri Light" panose="020F0302020204030204" pitchFamily="34" charset="0"/>
-              </a:rPr>
-              <a:t>files: </a:t>
-            </a:r>
-            <a:r>
-              <a:rPr lang="en-US" dirty="0" smtClean="0">
-                <a:latin typeface="Calibri Light" panose="020F0302020204030204" pitchFamily="34" charset="0"/>
-              </a:rPr>
-              <a:t>93</a:t>
-            </a:r>
-          </a:p>
-          <a:p>
-            <a:r>
-              <a:rPr lang="en-US" dirty="0" smtClean="0">
-                <a:latin typeface="Calibri Light" panose="020F0302020204030204" pitchFamily="34" charset="0"/>
-              </a:rPr>
-              <a:t>Indeterminate files: 2</a:t>
-            </a:r>
-          </a:p>
-          <a:p>
-            <a:r>
-              <a:rPr lang="en-US" dirty="0" smtClean="0">
-                <a:latin typeface="Calibri Light" panose="020F0302020204030204" pitchFamily="34" charset="0"/>
-              </a:rPr>
-              <a:t>Predictions: 91</a:t>
-            </a:r>
-            <a:endParaRPr lang="en-US" dirty="0">
-              <a:latin typeface="Calibri Light" panose="020F0302020204030204" pitchFamily="34" charset="0"/>
-            </a:endParaRPr>
-          </a:p>
-          <a:p>
-            <a:r>
-              <a:rPr lang="en-US" dirty="0" smtClean="0">
-                <a:latin typeface="Calibri Light" panose="020F0302020204030204" pitchFamily="34" charset="0"/>
-              </a:rPr>
-              <a:t>Correct predictions: 75</a:t>
-            </a:r>
-          </a:p>
-          <a:p>
-            <a:pPr lvl="1"/>
-            <a:r>
-              <a:rPr lang="en-US" dirty="0" smtClean="0">
-                <a:latin typeface="Calibri Light" panose="020F0302020204030204" pitchFamily="34" charset="0"/>
-              </a:rPr>
-              <a:t>True </a:t>
-            </a:r>
-            <a:r>
-              <a:rPr lang="en-US" dirty="0" err="1" smtClean="0">
-                <a:latin typeface="Calibri Light" panose="020F0302020204030204" pitchFamily="34" charset="0"/>
-              </a:rPr>
-              <a:t>pos</a:t>
-            </a:r>
-            <a:r>
-              <a:rPr lang="en-US" dirty="0" smtClean="0">
-                <a:latin typeface="Calibri Light" panose="020F0302020204030204" pitchFamily="34" charset="0"/>
-              </a:rPr>
-              <a:t>: 28</a:t>
-            </a:r>
-          </a:p>
-          <a:p>
-            <a:pPr lvl="1"/>
-            <a:r>
-              <a:rPr lang="en-US" dirty="0" smtClean="0">
-                <a:latin typeface="Calibri Light" panose="020F0302020204030204" pitchFamily="34" charset="0"/>
-              </a:rPr>
-              <a:t>True </a:t>
-            </a:r>
-            <a:r>
-              <a:rPr lang="en-US" dirty="0" err="1" smtClean="0">
-                <a:latin typeface="Calibri Light" panose="020F0302020204030204" pitchFamily="34" charset="0"/>
-              </a:rPr>
-              <a:t>neg</a:t>
-            </a:r>
-            <a:r>
-              <a:rPr lang="en-US" dirty="0" smtClean="0">
-                <a:latin typeface="Calibri Light" panose="020F0302020204030204" pitchFamily="34" charset="0"/>
-              </a:rPr>
-              <a:t>: 47</a:t>
-            </a:r>
-          </a:p>
-          <a:p>
-            <a:pPr lvl="1"/>
-            <a:r>
-              <a:rPr lang="en-US" dirty="0" smtClean="0">
-                <a:latin typeface="Calibri Light" panose="020F0302020204030204" pitchFamily="34" charset="0"/>
-              </a:rPr>
-              <a:t>False </a:t>
-            </a:r>
-            <a:r>
-              <a:rPr lang="en-US" dirty="0" err="1" smtClean="0">
-                <a:latin typeface="Calibri Light" panose="020F0302020204030204" pitchFamily="34" charset="0"/>
-              </a:rPr>
-              <a:t>pos</a:t>
-            </a:r>
-            <a:r>
-              <a:rPr lang="en-US" dirty="0" smtClean="0">
-                <a:latin typeface="Calibri Light" panose="020F0302020204030204" pitchFamily="34" charset="0"/>
-              </a:rPr>
-              <a:t>: 6</a:t>
-            </a:r>
-          </a:p>
-          <a:p>
-            <a:pPr lvl="1"/>
-            <a:r>
-              <a:rPr lang="en-US" dirty="0" smtClean="0">
-                <a:latin typeface="Calibri Light" panose="020F0302020204030204" pitchFamily="34" charset="0"/>
-              </a:rPr>
-              <a:t>False </a:t>
-            </a:r>
-            <a:r>
-              <a:rPr lang="en-US" dirty="0" err="1" smtClean="0">
-                <a:latin typeface="Calibri Light" panose="020F0302020204030204" pitchFamily="34" charset="0"/>
-              </a:rPr>
-              <a:t>neg</a:t>
-            </a:r>
-            <a:r>
-              <a:rPr lang="en-US" dirty="0" smtClean="0">
-                <a:latin typeface="Calibri Light" panose="020F0302020204030204" pitchFamily="34" charset="0"/>
-              </a:rPr>
-              <a:t>: 10</a:t>
-            </a:r>
-          </a:p>
-          <a:p>
-            <a:r>
-              <a:rPr lang="en-US" b="1" dirty="0">
-                <a:latin typeface="Calibri Light" panose="020F0302020204030204" pitchFamily="34" charset="0"/>
-              </a:rPr>
-              <a:t>Accuracy</a:t>
-            </a:r>
-            <a:r>
-              <a:rPr lang="en-US" b="1" dirty="0" smtClean="0">
-                <a:latin typeface="Calibri Light" panose="020F0302020204030204" pitchFamily="34" charset="0"/>
-              </a:rPr>
-              <a:t>: 0.824176</a:t>
-            </a:r>
-            <a:endParaRPr lang="en-US" dirty="0" smtClean="0">
-              <a:latin typeface="Calibri Light" panose="020F0302020204030204" pitchFamily="34" charset="0"/>
-            </a:endParaRPr>
-          </a:p>
-          <a:p>
-            <a:r>
-              <a:rPr lang="en-US" b="1" dirty="0" smtClean="0">
-                <a:latin typeface="Calibri Light" panose="020F0302020204030204" pitchFamily="34" charset="0"/>
-              </a:rPr>
-              <a:t>Sensitivity: </a:t>
-            </a:r>
-            <a:r>
-              <a:rPr lang="en-US" b="1" dirty="0">
-                <a:latin typeface="Calibri Light" panose="020F0302020204030204" pitchFamily="34" charset="0"/>
-              </a:rPr>
-              <a:t>0.736842</a:t>
-            </a:r>
-            <a:endParaRPr lang="en-US" b="1" dirty="0" smtClean="0">
-              <a:latin typeface="Calibri Light" panose="020F0302020204030204" pitchFamily="34" charset="0"/>
-            </a:endParaRPr>
-          </a:p>
-          <a:p>
-            <a:r>
-              <a:rPr lang="en-US" b="1" dirty="0" smtClean="0">
-                <a:latin typeface="Calibri Light" panose="020F0302020204030204" pitchFamily="34" charset="0"/>
-              </a:rPr>
-              <a:t>Specificity: </a:t>
-            </a:r>
-            <a:r>
-              <a:rPr lang="en-US" b="1" dirty="0">
-                <a:latin typeface="Calibri Light" panose="020F0302020204030204" pitchFamily="34" charset="0"/>
-              </a:rPr>
-              <a:t>0.886792</a:t>
-            </a:r>
-          </a:p>
-          <a:p>
-            <a:r>
-              <a:rPr lang="en-US" b="1" dirty="0" smtClean="0">
-                <a:latin typeface="Calibri Light" panose="020F0302020204030204" pitchFamily="34" charset="0"/>
-              </a:rPr>
-              <a:t>Indeterminate: 2%</a:t>
-            </a:r>
-            <a:endParaRPr lang="en-US" b="1" dirty="0">
-              <a:latin typeface="Calibri Light" panose="020F0302020204030204" pitchFamily="34" charset="0"/>
-            </a:endParaRPr>
+          <a:p>
+            <a:endParaRPr lang="en-US" dirty="0"/>
           </a:p>
         </p:txBody>
       </p:sp>
     </p:spTree>
     <p:extLst>
       <p:ext uri="{BB962C8B-B14F-4D97-AF65-F5344CB8AC3E}">
-        <p14:creationId xmlns:p14="http://schemas.microsoft.com/office/powerpoint/2010/main" val="1273697552"/>
+        <p14:creationId xmlns:p14="http://schemas.microsoft.com/office/powerpoint/2010/main" val="3287299317"/>
       </p:ext>
     </p:extLst>
   </p:cSld>
@@ -16090,12 +15403,21 @@
         </p:nvSpPr>
         <p:spPr/>
         <p:txBody>
-          <a:bodyPr/>
-          <a:lstStyle/>
-          <a:p>
-            <a:r>
-              <a:rPr lang="en-US" dirty="0" smtClean="0"/>
-              <a:t>Summary</a:t>
+          <a:bodyPr>
+            <a:noAutofit/>
+          </a:bodyPr>
+          <a:lstStyle/>
+          <a:p>
+            <a:r>
+              <a:rPr lang="en-US" dirty="0" smtClean="0"/>
+              <a:t>Further Investigations</a:t>
+            </a:r>
+            <a:br>
+              <a:rPr lang="en-US" dirty="0" smtClean="0"/>
+            </a:br>
+            <a:r>
+              <a:rPr lang="en-US" sz="3200" dirty="0" smtClean="0"/>
+              <a:t>Improve Existing Model</a:t>
             </a:r>
             <a:endParaRPr lang="en-US" dirty="0"/>
           </a:p>
@@ -16113,50 +15435,37 @@
         </p:nvSpPr>
         <p:spPr>
           <a:xfrm>
-            <a:off x="381000" y="1676400"/>
-            <a:ext cx="8534400" cy="4325112"/>
+            <a:off x="381000" y="1981200"/>
+            <a:ext cx="8229600" cy="4724400"/>
           </a:xfrm>
         </p:spPr>
         <p:txBody>
           <a:bodyPr>
-            <a:normAutofit/>
+            <a:normAutofit lnSpcReduction="10000"/>
           </a:bodyPr>
           <a:lstStyle/>
           <a:p>
             <a:r>
-              <a:rPr lang="en-US" dirty="0" smtClean="0"/>
-              <a:t>Best AUC </a:t>
-            </a:r>
-            <a:r>
               <a:rPr lang="en-US" dirty="0"/>
-              <a:t>of </a:t>
-            </a:r>
-            <a:r>
-              <a:rPr lang="en-US" dirty="0" smtClean="0"/>
-              <a:t>≈90%</a:t>
+              <a:t>Get more BAM files</a:t>
             </a:r>
           </a:p>
           <a:p>
             <a:pPr lvl="1"/>
             <a:r>
-              <a:rPr lang="en-US" dirty="0" smtClean="0"/>
-              <a:t>Measures the predictive ability of the model</a:t>
-            </a:r>
-          </a:p>
-          <a:p>
-            <a:endParaRPr lang="en-US" dirty="0"/>
-          </a:p>
-          <a:p>
-            <a:r>
-              <a:rPr lang="en-US" dirty="0" smtClean="0"/>
-              <a:t>Maximum accuracy of ≈82% on test set</a:t>
+              <a:rPr lang="en-US" dirty="0"/>
+              <a:t>Training, validation and test sets are stale</a:t>
             </a:r>
           </a:p>
           <a:p>
             <a:pPr lvl="1"/>
             <a:r>
-              <a:rPr lang="en-US" dirty="0" smtClean="0"/>
-              <a:t>Slightly more accurate on called cases if ‘indeterminate’ status is allowed </a:t>
+              <a:rPr lang="en-US" dirty="0"/>
+              <a:t>Get BAM files with better coverage for more accurate results, better </a:t>
+            </a:r>
+            <a:r>
+              <a:rPr lang="en-US" dirty="0" smtClean="0"/>
+              <a:t>prediction</a:t>
             </a:r>
           </a:p>
           <a:p>
@@ -16165,16 +15474,63 @@
           </a:p>
           <a:p>
             <a:r>
-              <a:rPr lang="en-US" dirty="0" smtClean="0"/>
-              <a:t>Machine learning using all loci and all features is likely the best option</a:t>
+              <a:rPr lang="en-US" dirty="0"/>
+              <a:t>Research clinical relevance of MSI diagnosis</a:t>
             </a:r>
           </a:p>
           <a:p>
             <a:pPr lvl="1"/>
             <a:r>
-              <a:rPr lang="en-US" dirty="0" smtClean="0"/>
-              <a:t>More samples with better depth to train on </a:t>
-            </a:r>
+              <a:rPr lang="en-US" dirty="0"/>
+              <a:t>Fine-tune parameters to favor either false positives or false </a:t>
+            </a:r>
+            <a:r>
+              <a:rPr lang="en-US" dirty="0" smtClean="0"/>
+              <a:t>negatives</a:t>
+            </a:r>
+          </a:p>
+          <a:p>
+            <a:pPr lvl="1"/>
+            <a:endParaRPr lang="en-US" dirty="0"/>
+          </a:p>
+          <a:p>
+            <a:r>
+              <a:rPr lang="en-US" dirty="0"/>
+              <a:t>Regularization</a:t>
+            </a:r>
+          </a:p>
+          <a:p>
+            <a:pPr lvl="1"/>
+            <a:r>
+              <a:rPr lang="en-US" dirty="0"/>
+              <a:t>L2 regularization</a:t>
+            </a:r>
+          </a:p>
+          <a:p>
+            <a:pPr lvl="2"/>
+            <a:r>
+              <a:rPr lang="en-US" dirty="0"/>
+              <a:t>Penalizes any weight that is too large, drives weights asymptotically to 0</a:t>
+            </a:r>
+          </a:p>
+          <a:p>
+            <a:pPr lvl="1"/>
+            <a:r>
+              <a:rPr lang="en-US" dirty="0"/>
+              <a:t>L1 regularization</a:t>
+            </a:r>
+          </a:p>
+          <a:p>
+            <a:pPr lvl="2"/>
+            <a:r>
+              <a:rPr lang="en-US" dirty="0"/>
+              <a:t>Penalizes total weight of all features, drives non-informative weights to 0</a:t>
+            </a:r>
+          </a:p>
+          <a:p>
+            <a:pPr marL="109728" indent="0">
+              <a:buNone/>
+            </a:pPr>
             <a:endParaRPr lang="en-US" dirty="0"/>
           </a:p>
           <a:p>
@@ -16185,7 +15541,7 @@
     </p:spTree>
     <p:extLst>
       <p:ext uri="{BB962C8B-B14F-4D97-AF65-F5344CB8AC3E}">
-        <p14:creationId xmlns:p14="http://schemas.microsoft.com/office/powerpoint/2010/main" val="3287299317"/>
+        <p14:creationId xmlns:p14="http://schemas.microsoft.com/office/powerpoint/2010/main" val="1285816282"/>
       </p:ext>
     </p:extLst>
   </p:cSld>
@@ -16238,14 +15594,14 @@
           <a:p>
             <a:r>
               <a:rPr lang="en-US" dirty="0" smtClean="0"/>
-              <a:t>Further Investigations</a:t>
+              <a:t>Further Investigations </a:t>
             </a:r>
             <a:br>
               <a:rPr lang="en-US" dirty="0" smtClean="0"/>
             </a:br>
             <a:r>
               <a:rPr lang="en-US" sz="3200" dirty="0" smtClean="0"/>
-              <a:t>Improve Existing Model</a:t>
+              <a:t>Expand Existing Model</a:t>
             </a:r>
             <a:endParaRPr lang="en-US" dirty="0"/>
           </a:p>
@@ -16264,7 +15620,7 @@
         <p:spPr>
           <a:xfrm>
             <a:off x="381000" y="1981200"/>
-            <a:ext cx="8229600" cy="4724400"/>
+            <a:ext cx="8229600" cy="4325112"/>
           </a:xfrm>
         </p:spPr>
         <p:txBody>
@@ -16274,26 +15630,23 @@
           <a:lstStyle/>
           <a:p>
             <a:r>
+              <a:rPr lang="en-US" dirty="0" smtClean="0"/>
+              <a:t>Add </a:t>
+            </a:r>
+            <a:r>
               <a:rPr lang="en-US" dirty="0"/>
-              <a:t>Get more BAM files</a:t>
+              <a:t>features</a:t>
             </a:r>
           </a:p>
           <a:p>
             <a:pPr lvl="1"/>
             <a:r>
               <a:rPr lang="en-US" dirty="0"/>
-              <a:t>Training, validation and test sets are stale</a:t>
-            </a:r>
-          </a:p>
-          <a:p>
-            <a:pPr lvl="1"/>
-            <a:r>
-              <a:rPr lang="en-US" dirty="0"/>
-              <a:t>Get BAM files with better coverage for more accurate results, better </a:t>
-            </a:r>
-            <a:r>
-              <a:rPr lang="en-US" dirty="0" smtClean="0"/>
-              <a:t>prediction</a:t>
+              <a:t>Earth mover </a:t>
+            </a:r>
+            <a:r>
+              <a:rPr lang="en-US" dirty="0" smtClean="0"/>
+              <a:t>distance</a:t>
             </a:r>
           </a:p>
           <a:p>
@@ -16302,20 +15655,18 @@
           </a:p>
           <a:p>
             <a:r>
+              <a:rPr lang="en-US" dirty="0" smtClean="0"/>
+              <a:t>Add </a:t>
+            </a:r>
+            <a:r>
               <a:rPr lang="en-US" dirty="0"/>
-              <a:t>Research clinical relevance of MSI diagnosis</a:t>
-            </a:r>
-          </a:p>
-          <a:p>
-            <a:pPr lvl="1"/>
-            <a:r>
-              <a:rPr lang="en-US" dirty="0"/>
-              <a:t>Fine-tune parameters to favor either false positives or false </a:t>
-            </a:r>
-            <a:r>
-              <a:rPr lang="en-US" dirty="0" smtClean="0"/>
-              <a:t>negatives</a:t>
-            </a:r>
+              <a:t>a label for ‘MSI-L’ and ‘MSI-H</a:t>
+            </a:r>
+            <a:r>
+              <a:rPr lang="en-US" dirty="0" smtClean="0"/>
+              <a:t>’</a:t>
+            </a:r>
+            <a:endParaRPr lang="en-US" dirty="0"/>
           </a:p>
           <a:p>
             <a:pPr lvl="1"/>
@@ -16324,42 +15675,39 @@
           <a:p>
             <a:r>
               <a:rPr lang="en-US" dirty="0"/>
-              <a:t>Regularization</a:t>
+              <a:t>Investigate more loci</a:t>
             </a:r>
           </a:p>
           <a:p>
             <a:pPr lvl="1"/>
             <a:r>
+              <a:rPr lang="en-US" dirty="0" err="1"/>
+              <a:t>Hause</a:t>
+            </a:r>
+            <a:r>
               <a:rPr lang="en-US" dirty="0"/>
-              <a:t>L2 regularization</a:t>
-            </a:r>
-          </a:p>
-          <a:p>
-            <a:pPr lvl="2"/>
-            <a:r>
-              <a:rPr lang="en-US" dirty="0"/>
-              <a:t>Penalizes any weight that is too large, drives weights asymptotically to 0</a:t>
+              <a:t> et al. used 223,082 microsatellite loci to </a:t>
+            </a:r>
+            <a:r>
+              <a:rPr lang="en-US" dirty="0" smtClean="0"/>
+              <a:t>develop a MSI calling method with 96.6% accuracy</a:t>
+            </a:r>
+          </a:p>
+          <a:p>
+            <a:endParaRPr lang="en-US" dirty="0"/>
+          </a:p>
+          <a:p>
+            <a:r>
+              <a:rPr lang="en-US" dirty="0" smtClean="0"/>
+              <a:t>Train using matched normal samples</a:t>
             </a:r>
           </a:p>
           <a:p>
             <a:pPr lvl="1"/>
             <a:r>
-              <a:rPr lang="en-US" dirty="0"/>
-              <a:t>L1 regularization</a:t>
-            </a:r>
-          </a:p>
-          <a:p>
-            <a:pPr lvl="2"/>
-            <a:r>
-              <a:rPr lang="en-US" dirty="0"/>
-              <a:t>Penalizes total weight of all features, drives non-informative weights to 0</a:t>
-            </a:r>
-          </a:p>
-          <a:p>
-            <a:pPr marL="109728" indent="0">
-              <a:buNone/>
-            </a:pPr>
-            <a:endParaRPr lang="en-US" dirty="0"/>
+              <a:rPr lang="en-US" dirty="0" smtClean="0"/>
+              <a:t>Detect low, baseline level of MSI in tumor samples</a:t>
+            </a:r>
           </a:p>
           <a:p>
             <a:endParaRPr lang="en-US" dirty="0"/>
@@ -16369,7 +15717,7 @@
     </p:spTree>
     <p:extLst>
       <p:ext uri="{BB962C8B-B14F-4D97-AF65-F5344CB8AC3E}">
-        <p14:creationId xmlns:p14="http://schemas.microsoft.com/office/powerpoint/2010/main" val="1285816282"/>
+        <p14:creationId xmlns:p14="http://schemas.microsoft.com/office/powerpoint/2010/main" val="962177868"/>
       </p:ext>
     </p:extLst>
   </p:cSld>
@@ -16481,182 +15829,6 @@
 </file>
 
 <file path=ppt/slides/slide40.xml><?xml version="1.0" encoding="utf-8"?>
-<p:sld xmlns:a="http://schemas.openxmlformats.org/drawingml/2006/main" xmlns:r="http://schemas.openxmlformats.org/officeDocument/2006/relationships" xmlns:p="http://schemas.openxmlformats.org/presentationml/2006/main">
-  <p:cSld>
-    <p:spTree>
-      <p:nvGrpSpPr>
-        <p:cNvPr id="1" name=""/>
-        <p:cNvGrpSpPr/>
-        <p:nvPr/>
-      </p:nvGrpSpPr>
-      <p:grpSpPr>
-        <a:xfrm>
-          <a:off x="0" y="0"/>
-          <a:ext cx="0" cy="0"/>
-          <a:chOff x="0" y="0"/>
-          <a:chExt cx="0" cy="0"/>
-        </a:xfrm>
-      </p:grpSpPr>
-      <p:sp>
-        <p:nvSpPr>
-          <p:cNvPr id="2" name="Title 1"/>
-          <p:cNvSpPr>
-            <a:spLocks noGrp="1"/>
-          </p:cNvSpPr>
-          <p:nvPr>
-            <p:ph type="title"/>
-          </p:nvPr>
-        </p:nvSpPr>
-        <p:spPr/>
-        <p:txBody>
-          <a:bodyPr>
-            <a:noAutofit/>
-          </a:bodyPr>
-          <a:lstStyle/>
-          <a:p>
-            <a:r>
-              <a:rPr lang="en-US" dirty="0" smtClean="0"/>
-              <a:t>Further Investigations </a:t>
-            </a:r>
-            <a:br>
-              <a:rPr lang="en-US" dirty="0" smtClean="0"/>
-            </a:br>
-            <a:r>
-              <a:rPr lang="en-US" sz="3200" dirty="0" smtClean="0"/>
-              <a:t>Expand Existing Model</a:t>
-            </a:r>
-            <a:endParaRPr lang="en-US" dirty="0"/>
-          </a:p>
-        </p:txBody>
-      </p:sp>
-      <p:sp>
-        <p:nvSpPr>
-          <p:cNvPr id="3" name="Content Placeholder 2"/>
-          <p:cNvSpPr>
-            <a:spLocks noGrp="1"/>
-          </p:cNvSpPr>
-          <p:nvPr>
-            <p:ph idx="1"/>
-          </p:nvPr>
-        </p:nvSpPr>
-        <p:spPr>
-          <a:xfrm>
-            <a:off x="381000" y="1981200"/>
-            <a:ext cx="8229600" cy="4325112"/>
-          </a:xfrm>
-        </p:spPr>
-        <p:txBody>
-          <a:bodyPr>
-            <a:normAutofit lnSpcReduction="10000"/>
-          </a:bodyPr>
-          <a:lstStyle/>
-          <a:p>
-            <a:r>
-              <a:rPr lang="en-US" dirty="0" smtClean="0"/>
-              <a:t>Add </a:t>
-            </a:r>
-            <a:r>
-              <a:rPr lang="en-US" dirty="0"/>
-              <a:t>features</a:t>
-            </a:r>
-          </a:p>
-          <a:p>
-            <a:pPr lvl="1"/>
-            <a:r>
-              <a:rPr lang="en-US" dirty="0"/>
-              <a:t>Earth mover </a:t>
-            </a:r>
-            <a:r>
-              <a:rPr lang="en-US" dirty="0" smtClean="0"/>
-              <a:t>distance</a:t>
-            </a:r>
-          </a:p>
-          <a:p>
-            <a:pPr lvl="1"/>
-            <a:endParaRPr lang="en-US" dirty="0"/>
-          </a:p>
-          <a:p>
-            <a:r>
-              <a:rPr lang="en-US" dirty="0" smtClean="0"/>
-              <a:t>Add </a:t>
-            </a:r>
-            <a:r>
-              <a:rPr lang="en-US" dirty="0"/>
-              <a:t>a label for ‘MSI-L’ and ‘MSI-H</a:t>
-            </a:r>
-            <a:r>
-              <a:rPr lang="en-US" dirty="0" smtClean="0"/>
-              <a:t>’</a:t>
-            </a:r>
-            <a:endParaRPr lang="en-US" dirty="0"/>
-          </a:p>
-          <a:p>
-            <a:pPr lvl="1"/>
-            <a:endParaRPr lang="en-US" dirty="0"/>
-          </a:p>
-          <a:p>
-            <a:r>
-              <a:rPr lang="en-US" dirty="0"/>
-              <a:t>Investigate more loci</a:t>
-            </a:r>
-          </a:p>
-          <a:p>
-            <a:pPr lvl="1"/>
-            <a:r>
-              <a:rPr lang="en-US" dirty="0" err="1"/>
-              <a:t>Hause</a:t>
-            </a:r>
-            <a:r>
-              <a:rPr lang="en-US" dirty="0"/>
-              <a:t> et al. used 223,082 microsatellite loci to </a:t>
-            </a:r>
-            <a:r>
-              <a:rPr lang="en-US" dirty="0" smtClean="0"/>
-              <a:t>develop a MSI calling method with 96.6% accuracy</a:t>
-            </a:r>
-          </a:p>
-          <a:p>
-            <a:endParaRPr lang="en-US" dirty="0"/>
-          </a:p>
-          <a:p>
-            <a:r>
-              <a:rPr lang="en-US" dirty="0" smtClean="0"/>
-              <a:t>Train using matched normal samples</a:t>
-            </a:r>
-          </a:p>
-          <a:p>
-            <a:pPr lvl="1"/>
-            <a:r>
-              <a:rPr lang="en-US" dirty="0" smtClean="0"/>
-              <a:t>Detect low, baseline level of MSI in tumor samples</a:t>
-            </a:r>
-          </a:p>
-          <a:p>
-            <a:endParaRPr lang="en-US" dirty="0"/>
-          </a:p>
-        </p:txBody>
-      </p:sp>
-    </p:spTree>
-    <p:extLst>
-      <p:ext uri="{BB962C8B-B14F-4D97-AF65-F5344CB8AC3E}">
-        <p14:creationId xmlns:p14="http://schemas.microsoft.com/office/powerpoint/2010/main" val="962177868"/>
-      </p:ext>
-    </p:extLst>
-  </p:cSld>
-  <p:clrMapOvr>
-    <a:masterClrMapping/>
-  </p:clrMapOvr>
-  <p:timing>
-    <p:tnLst>
-      <p:par>
-        <p:cTn id="1" dur="indefinite" restart="never" nodeType="tmRoot"/>
-      </p:par>
-    </p:tnLst>
-  </p:timing>
-</p:sld>
-</file>
-
-<file path=ppt/slides/slide41.xml><?xml version="1.0" encoding="utf-8"?>
 <p:sld xmlns:a="http://schemas.openxmlformats.org/drawingml/2006/main" xmlns:r="http://schemas.openxmlformats.org/officeDocument/2006/relationships" xmlns:p="http://schemas.openxmlformats.org/presentationml/2006/main">
   <p:cSld>
     <p:spTree>

--- a/MSI Project Presentation.pptx
+++ b/MSI Project Presentation.pptx
@@ -293,7 +293,7 @@
           <a:p>
             <a:fld id="{FD6F384A-A325-46BD-968E-1522ABDB2AC9}" type="datetimeFigureOut">
               <a:rPr lang="en-US" smtClean="0"/>
-              <a:t>8/23/2018</a:t>
+              <a:t>8/24/2018</a:t>
             </a:fld>
             <a:endParaRPr lang="en-US"/>
           </a:p>
@@ -5280,7 +5280,7 @@
           <a:p>
             <a:fld id="{A7D88E35-D473-411B-B8EF-7CCA10B7BE9E}" type="datetimeFigureOut">
               <a:rPr lang="en-US" smtClean="0"/>
-              <a:t>8/23/2018</a:t>
+              <a:t>8/24/2018</a:t>
             </a:fld>
             <a:endParaRPr lang="en-US"/>
           </a:p>
@@ -5487,7 +5487,7 @@
           <a:p>
             <a:fld id="{A7D88E35-D473-411B-B8EF-7CCA10B7BE9E}" type="datetimeFigureOut">
               <a:rPr lang="en-US" smtClean="0"/>
-              <a:t>8/23/2018</a:t>
+              <a:t>8/24/2018</a:t>
             </a:fld>
             <a:endParaRPr lang="en-US"/>
           </a:p>
@@ -5662,7 +5662,7 @@
           <a:p>
             <a:fld id="{A7D88E35-D473-411B-B8EF-7CCA10B7BE9E}" type="datetimeFigureOut">
               <a:rPr lang="en-US" smtClean="0"/>
-              <a:t>8/23/2018</a:t>
+              <a:t>8/24/2018</a:t>
             </a:fld>
             <a:endParaRPr lang="en-US"/>
           </a:p>
@@ -5827,7 +5827,7 @@
           <a:p>
             <a:fld id="{A7D88E35-D473-411B-B8EF-7CCA10B7BE9E}" type="datetimeFigureOut">
               <a:rPr lang="en-US" smtClean="0"/>
-              <a:t>8/23/2018</a:t>
+              <a:t>8/24/2018</a:t>
             </a:fld>
             <a:endParaRPr lang="en-US"/>
           </a:p>
@@ -6082,7 +6082,7 @@
           <a:p>
             <a:fld id="{A7D88E35-D473-411B-B8EF-7CCA10B7BE9E}" type="datetimeFigureOut">
               <a:rPr lang="en-US" smtClean="0"/>
-              <a:t>8/23/2018</a:t>
+              <a:t>8/24/2018</a:t>
             </a:fld>
             <a:endParaRPr lang="en-US"/>
           </a:p>
@@ -6407,7 +6407,7 @@
           <a:p>
             <a:fld id="{A7D88E35-D473-411B-B8EF-7CCA10B7BE9E}" type="datetimeFigureOut">
               <a:rPr lang="en-US" smtClean="0"/>
-              <a:t>8/23/2018</a:t>
+              <a:t>8/24/2018</a:t>
             </a:fld>
             <a:endParaRPr lang="en-US"/>
           </a:p>
@@ -6880,7 +6880,7 @@
           <a:p>
             <a:fld id="{150972B2-CA5C-437D-87D0-8081271A9E4B}" type="datetime2">
               <a:rPr lang="en-US" smtClean="0"/>
-              <a:t>Thursday, August 23, 2018</a:t>
+              <a:t>Friday, August 24, 2018</a:t>
             </a:fld>
             <a:endParaRPr lang="en-US"/>
           </a:p>
@@ -7029,7 +7029,7 @@
           <a:p>
             <a:fld id="{A7D88E35-D473-411B-B8EF-7CCA10B7BE9E}" type="datetimeFigureOut">
               <a:rPr lang="en-US" smtClean="0"/>
-              <a:t>8/23/2018</a:t>
+              <a:t>8/24/2018</a:t>
             </a:fld>
             <a:endParaRPr lang="en-US"/>
           </a:p>
@@ -7119,7 +7119,7 @@
           <a:p>
             <a:fld id="{A7D88E35-D473-411B-B8EF-7CCA10B7BE9E}" type="datetimeFigureOut">
               <a:rPr lang="en-US" smtClean="0"/>
-              <a:t>8/23/2018</a:t>
+              <a:t>8/24/2018</a:t>
             </a:fld>
             <a:endParaRPr lang="en-US"/>
           </a:p>
@@ -7393,7 +7393,7 @@
           <a:p>
             <a:fld id="{A7D88E35-D473-411B-B8EF-7CCA10B7BE9E}" type="datetimeFigureOut">
               <a:rPr lang="en-US" smtClean="0"/>
-              <a:t>8/23/2018</a:t>
+              <a:t>8/24/2018</a:t>
             </a:fld>
             <a:endParaRPr lang="en-US"/>
           </a:p>
@@ -7698,7 +7698,7 @@
           <a:p>
             <a:fld id="{A7D88E35-D473-411B-B8EF-7CCA10B7BE9E}" type="datetimeFigureOut">
               <a:rPr lang="en-US" smtClean="0"/>
-              <a:t>8/23/2018</a:t>
+              <a:t>8/24/2018</a:t>
             </a:fld>
             <a:endParaRPr lang="en-US"/>
           </a:p>
@@ -7996,7 +7996,7 @@
           <a:p>
             <a:fld id="{A80CB818-7379-467D-8E76-EF9D9074A26C}" type="datetime2">
               <a:rPr lang="en-US" smtClean="0"/>
-              <a:t>Thursday, August 23, 2018</a:t>
+              <a:t>Friday, August 24, 2018</a:t>
             </a:fld>
             <a:endParaRPr lang="en-US" dirty="0"/>
           </a:p>
@@ -13360,35 +13360,52 @@
       </p:grpSpPr>
       <p:pic>
         <p:nvPicPr>
-          <p:cNvPr id="4" name="Picture 3"/>
-          <p:cNvPicPr/>
+          <p:cNvPr id="1026" name="Picture 2"/>
+          <p:cNvPicPr>
+            <a:picLocks noChangeAspect="1" noChangeArrowheads="1"/>
+          </p:cNvPicPr>
           <p:nvPr/>
         </p:nvPicPr>
         <p:blipFill rotWithShape="1">
-          <a:blip r:embed="rId3" cstate="print">
+          <a:blip r:embed="rId3">
             <a:extLst>
               <a:ext uri="{28A0092B-C50C-407E-A947-70E740481C1C}">
                 <a14:useLocalDpi xmlns:a14="http://schemas.microsoft.com/office/drawing/2010/main" val="0"/>
               </a:ext>
             </a:extLst>
           </a:blip>
-          <a:srcRect l="7691" t="22609" r="10737" b="19439"/>
+          <a:srcRect l="3897" t="25186" r="14149" b="18486"/>
           <a:stretch/>
         </p:blipFill>
         <p:spPr bwMode="auto">
           <a:xfrm>
-            <a:off x="1676400" y="3962400"/>
-            <a:ext cx="5867400" cy="2845982"/>
+            <a:off x="990600" y="3962400"/>
+            <a:ext cx="6629400" cy="2752844"/>
           </a:xfrm>
           <a:prstGeom prst="rect">
             <a:avLst/>
           </a:prstGeom>
+          <a:noFill/>
           <a:ln>
             <a:noFill/>
           </a:ln>
           <a:extLst>
-            <a:ext uri="{53640926-AAD7-44D8-BBD7-CCE9431645EC}">
-              <a14:shadowObscured xmlns:a14="http://schemas.microsoft.com/office/drawing/2010/main"/>
+            <a:ext uri="{909E8E84-426E-40DD-AFC4-6F175D3DCCD1}">
+              <a14:hiddenFill xmlns:a14="http://schemas.microsoft.com/office/drawing/2010/main">
+                <a:solidFill>
+                  <a:schemeClr val="accent1"/>
+                </a:solidFill>
+              </a14:hiddenFill>
+            </a:ext>
+            <a:ext uri="{91240B29-F687-4F45-9708-019B960494DF}">
+              <a14:hiddenLine xmlns:a14="http://schemas.microsoft.com/office/drawing/2010/main" w="9525">
+                <a:solidFill>
+                  <a:schemeClr val="tx1"/>
+                </a:solidFill>
+                <a:miter lim="800000"/>
+                <a:headEnd/>
+                <a:tailEnd/>
+              </a14:hiddenLine>
             </a:ext>
           </a:extLst>
         </p:spPr>
@@ -13431,12 +13448,12 @@
         <p:spPr>
           <a:xfrm>
             <a:off x="381000" y="1371600"/>
-            <a:ext cx="8458200" cy="3164958"/>
+            <a:ext cx="8458200" cy="2730011"/>
           </a:xfrm>
         </p:spPr>
         <p:txBody>
           <a:bodyPr>
-            <a:normAutofit fontScale="92500" lnSpcReduction="10000"/>
+            <a:normAutofit fontScale="85000" lnSpcReduction="10000"/>
           </a:bodyPr>
           <a:lstStyle/>
           <a:p>
@@ -13451,22 +13468,28 @@
           <a:p>
             <a:r>
               <a:rPr lang="en-US" dirty="0" smtClean="0"/>
-              <a:t>Include a ‘tooltip’</a:t>
+              <a:t>Include a ‘tooltip</a:t>
+            </a:r>
+            <a:r>
+              <a:rPr lang="en-US" dirty="0" smtClean="0"/>
+              <a:t>’</a:t>
             </a:r>
           </a:p>
           <a:p>
             <a:pPr lvl="1"/>
             <a:r>
               <a:rPr lang="en-US" dirty="0" smtClean="0"/>
-              <a:t>Depth</a:t>
-            </a:r>
+              <a:t>Gene and chromosome</a:t>
+            </a:r>
+            <a:endParaRPr lang="en-US" dirty="0" smtClean="0"/>
           </a:p>
           <a:p>
             <a:pPr lvl="1"/>
             <a:r>
               <a:rPr lang="en-US" dirty="0" smtClean="0"/>
-              <a:t>Z-score</a:t>
-            </a:r>
+              <a:t>Tile-level depth and z-score</a:t>
+            </a:r>
+            <a:endParaRPr lang="en-US" dirty="0" smtClean="0"/>
           </a:p>
           <a:p>
             <a:pPr lvl="1"/>
